--- a/http_network/network_http.pptx
+++ b/http_network/network_http.pptx
@@ -5,31 +5,25 @@
     <p:sldMasterId id="2147483648" r:id="rId4"/>
   </p:sldMasterIdLst>
   <p:notesMasterIdLst>
-    <p:notesMasterId r:id="rId27"/>
+    <p:notesMasterId r:id="rId21"/>
   </p:notesMasterIdLst>
   <p:sldIdLst>
-    <p:sldId id="263" r:id="rId5"/>
-    <p:sldId id="266" r:id="rId6"/>
-    <p:sldId id="259" r:id="rId7"/>
-    <p:sldId id="265" r:id="rId8"/>
-    <p:sldId id="267" r:id="rId9"/>
-    <p:sldId id="281" r:id="rId10"/>
-    <p:sldId id="280" r:id="rId11"/>
-    <p:sldId id="268" r:id="rId12"/>
-    <p:sldId id="283" r:id="rId13"/>
-    <p:sldId id="285" r:id="rId14"/>
-    <p:sldId id="288" r:id="rId15"/>
-    <p:sldId id="289" r:id="rId16"/>
-    <p:sldId id="290" r:id="rId17"/>
-    <p:sldId id="291" r:id="rId18"/>
-    <p:sldId id="292" r:id="rId19"/>
-    <p:sldId id="287" r:id="rId20"/>
-    <p:sldId id="293" r:id="rId21"/>
-    <p:sldId id="294" r:id="rId22"/>
-    <p:sldId id="295" r:id="rId23"/>
-    <p:sldId id="296" r:id="rId24"/>
-    <p:sldId id="297" r:id="rId25"/>
-    <p:sldId id="286" r:id="rId26"/>
+    <p:sldId id="280" r:id="rId5"/>
+    <p:sldId id="268" r:id="rId6"/>
+    <p:sldId id="283" r:id="rId7"/>
+    <p:sldId id="285" r:id="rId8"/>
+    <p:sldId id="288" r:id="rId9"/>
+    <p:sldId id="289" r:id="rId10"/>
+    <p:sldId id="290" r:id="rId11"/>
+    <p:sldId id="291" r:id="rId12"/>
+    <p:sldId id="292" r:id="rId13"/>
+    <p:sldId id="287" r:id="rId14"/>
+    <p:sldId id="293" r:id="rId15"/>
+    <p:sldId id="294" r:id="rId16"/>
+    <p:sldId id="295" r:id="rId17"/>
+    <p:sldId id="296" r:id="rId18"/>
+    <p:sldId id="297" r:id="rId19"/>
+    <p:sldId id="286" r:id="rId20"/>
   </p:sldIdLst>
   <p:sldSz cx="9939338" cy="7451725"/>
   <p:notesSz cx="6858000" cy="9144000"/>
@@ -229,7 +223,7 @@
           <a:p>
             <a:fld id="{BEDCF416-ED79-CF4B-8FB2-420826E6252E}" type="datetimeFigureOut">
               <a:rPr lang="en-US" smtClean="0"/>
-              <a:t>1/27/19</a:t>
+              <a:t>1/4/24</a:t>
             </a:fld>
             <a:endParaRPr lang="en-US"/>
           </a:p>
@@ -561,7 +555,7 @@
           <a:p>
             <a:fld id="{1DF6BB41-AE5D-9741-BCF3-352E8EE441CB}" type="slidenum">
               <a:rPr lang="en-US" smtClean="0"/>
-              <a:t>18</a:t>
+              <a:t>12</a:t>
             </a:fld>
             <a:endParaRPr lang="en-US"/>
           </a:p>
@@ -1420,7 +1414,7 @@
           <a:p>
             <a:fld id="{846CE7D5-CF57-46EF-B807-FDD0502418D4}" type="datetimeFigureOut">
               <a:rPr lang="en-US" smtClean="0"/>
-              <a:t>1/27/19</a:t>
+              <a:t>1/4/24</a:t>
             </a:fld>
             <a:endParaRPr lang="en-US"/>
           </a:p>
@@ -1899,7 +1893,7 @@
         </p:nvSpPr>
         <p:spPr>
           <a:xfrm>
-            <a:off x="1118093" y="3342399"/>
+            <a:off x="1118093" y="4553473"/>
             <a:ext cx="7294727" cy="1241954"/>
           </a:xfrm>
           <a:prstGeom prst="rect">
@@ -1929,209 +1923,9 @@
           <a:p>
             <a:r>
               <a:rPr lang="da-DK" dirty="0"/>
-              <a:t>Velkommen til 2. semester på Bornholm</a:t>
-            </a:r>
-          </a:p>
-        </p:txBody>
-      </p:sp>
-      <p:sp>
-        <p:nvSpPr>
-          <p:cNvPr id="5" name="Text Placeholder 2"/>
-          <p:cNvSpPr txBox="1">
-            <a:spLocks/>
-          </p:cNvSpPr>
-          <p:nvPr/>
-        </p:nvSpPr>
-        <p:spPr>
-          <a:xfrm>
-            <a:off x="1118093" y="4937262"/>
-            <a:ext cx="7294728" cy="1241955"/>
-          </a:xfrm>
-          <a:prstGeom prst="rect">
-            <a:avLst/>
-          </a:prstGeom>
-        </p:spPr>
-        <p:txBody>
-          <a:bodyPr vert="horz" lIns="99377" tIns="49688" rIns="99377" bIns="49688" rtlCol="0">
-            <a:normAutofit/>
-          </a:bodyPr>
-          <a:lstStyle>
-            <a:lvl1pPr marL="372664" indent="-372664" algn="l" defTabSz="496885" rtl="0" eaLnBrk="1" latinLnBrk="0" hangingPunct="1">
-              <a:spcBef>
-                <a:spcPct val="20000"/>
-              </a:spcBef>
-              <a:buClr>
-                <a:srgbClr val="FBB040"/>
-              </a:buClr>
-              <a:buFont typeface="Wingdings" charset="2"/>
-              <a:buChar char="§"/>
-              <a:defRPr sz="1800" kern="1200">
-                <a:solidFill>
-                  <a:srgbClr val="00163B"/>
-                </a:solidFill>
-                <a:latin typeface="Verdana"/>
-                <a:ea typeface="+mn-ea"/>
-                <a:cs typeface="Verdana"/>
-              </a:defRPr>
-            </a:lvl1pPr>
-            <a:lvl2pPr marL="807438" indent="-310553" algn="l" defTabSz="496885" rtl="0" eaLnBrk="1" latinLnBrk="0" hangingPunct="1">
-              <a:spcBef>
-                <a:spcPct val="20000"/>
-              </a:spcBef>
-              <a:buClr>
-                <a:srgbClr val="FBB040"/>
-              </a:buClr>
-              <a:buFont typeface="Wingdings" charset="2"/>
-              <a:buChar char="§"/>
-              <a:defRPr sz="1800" kern="1200">
-                <a:solidFill>
-                  <a:srgbClr val="00163B"/>
-                </a:solidFill>
-                <a:latin typeface="Verdana"/>
-                <a:ea typeface="+mn-ea"/>
-                <a:cs typeface="Verdana"/>
-              </a:defRPr>
-            </a:lvl2pPr>
-            <a:lvl3pPr marL="1242212" indent="-248442" algn="l" defTabSz="496885" rtl="0" eaLnBrk="1" latinLnBrk="0" hangingPunct="1">
-              <a:spcBef>
-                <a:spcPct val="20000"/>
-              </a:spcBef>
-              <a:buClr>
-                <a:srgbClr val="FBB040"/>
-              </a:buClr>
-              <a:buFont typeface="Wingdings" charset="2"/>
-              <a:buChar char="§"/>
-              <a:defRPr sz="1800" kern="1200">
-                <a:solidFill>
-                  <a:srgbClr val="00163B"/>
-                </a:solidFill>
-                <a:latin typeface="Verdana"/>
-                <a:ea typeface="+mn-ea"/>
-                <a:cs typeface="Verdana"/>
-              </a:defRPr>
-            </a:lvl3pPr>
-            <a:lvl4pPr marL="1739097" indent="-248442" algn="l" defTabSz="496885" rtl="0" eaLnBrk="1" latinLnBrk="0" hangingPunct="1">
-              <a:spcBef>
-                <a:spcPct val="20000"/>
-              </a:spcBef>
-              <a:buClr>
-                <a:srgbClr val="FBB040"/>
-              </a:buClr>
-              <a:buFont typeface="Wingdings" charset="2"/>
-              <a:buChar char="§"/>
-              <a:defRPr sz="1800" kern="1200">
-                <a:solidFill>
-                  <a:srgbClr val="00163B"/>
-                </a:solidFill>
-                <a:latin typeface="Verdana"/>
-                <a:ea typeface="+mn-ea"/>
-                <a:cs typeface="Verdana"/>
-              </a:defRPr>
-            </a:lvl4pPr>
-            <a:lvl5pPr marL="2235982" indent="-248442" algn="l" defTabSz="496885" rtl="0" eaLnBrk="1" latinLnBrk="0" hangingPunct="1">
-              <a:spcBef>
-                <a:spcPct val="20000"/>
-              </a:spcBef>
-              <a:buClr>
-                <a:srgbClr val="FBB040"/>
-              </a:buClr>
-              <a:buFont typeface="Wingdings" charset="2"/>
-              <a:buChar char="§"/>
-              <a:defRPr sz="1800" kern="1200">
-                <a:solidFill>
-                  <a:srgbClr val="00163B"/>
-                </a:solidFill>
-                <a:latin typeface="Verdana"/>
-                <a:ea typeface="+mn-ea"/>
-                <a:cs typeface="Verdana"/>
-              </a:defRPr>
-            </a:lvl5pPr>
-            <a:lvl6pPr marL="2732867" indent="-248442" algn="l" defTabSz="496885" rtl="0" eaLnBrk="1" latinLnBrk="0" hangingPunct="1">
-              <a:spcBef>
-                <a:spcPct val="20000"/>
-              </a:spcBef>
-              <a:buFont typeface="Arial"/>
-              <a:buChar char="•"/>
-              <a:defRPr sz="2200" kern="1200">
-                <a:solidFill>
-                  <a:schemeClr val="tx1"/>
-                </a:solidFill>
-                <a:latin typeface="+mn-lt"/>
-                <a:ea typeface="+mn-ea"/>
-                <a:cs typeface="+mn-cs"/>
-              </a:defRPr>
-            </a:lvl6pPr>
-            <a:lvl7pPr marL="3229752" indent="-248442" algn="l" defTabSz="496885" rtl="0" eaLnBrk="1" latinLnBrk="0" hangingPunct="1">
-              <a:spcBef>
-                <a:spcPct val="20000"/>
-              </a:spcBef>
-              <a:buFont typeface="Arial"/>
-              <a:buChar char="•"/>
-              <a:defRPr sz="2200" kern="1200">
-                <a:solidFill>
-                  <a:schemeClr val="tx1"/>
-                </a:solidFill>
-                <a:latin typeface="+mn-lt"/>
-                <a:ea typeface="+mn-ea"/>
-                <a:cs typeface="+mn-cs"/>
-              </a:defRPr>
-            </a:lvl7pPr>
-            <a:lvl8pPr marL="3726637" indent="-248442" algn="l" defTabSz="496885" rtl="0" eaLnBrk="1" latinLnBrk="0" hangingPunct="1">
-              <a:spcBef>
-                <a:spcPct val="20000"/>
-              </a:spcBef>
-              <a:buFont typeface="Arial"/>
-              <a:buChar char="•"/>
-              <a:defRPr sz="2200" kern="1200">
-                <a:solidFill>
-                  <a:schemeClr val="tx1"/>
-                </a:solidFill>
-                <a:latin typeface="+mn-lt"/>
-                <a:ea typeface="+mn-ea"/>
-                <a:cs typeface="+mn-cs"/>
-              </a:defRPr>
-            </a:lvl8pPr>
-            <a:lvl9pPr marL="4223522" indent="-248442" algn="l" defTabSz="496885" rtl="0" eaLnBrk="1" latinLnBrk="0" hangingPunct="1">
-              <a:spcBef>
-                <a:spcPct val="20000"/>
-              </a:spcBef>
-              <a:buFont typeface="Arial"/>
-              <a:buChar char="•"/>
-              <a:defRPr sz="2200" kern="1200">
-                <a:solidFill>
-                  <a:schemeClr val="tx1"/>
-                </a:solidFill>
-                <a:latin typeface="+mn-lt"/>
-                <a:ea typeface="+mn-ea"/>
-                <a:cs typeface="+mn-cs"/>
-              </a:defRPr>
-            </a:lvl9pPr>
-          </a:lstStyle>
-          <a:p>
-            <a:pPr marL="0" indent="0">
-              <a:buNone/>
-            </a:pPr>
-            <a:r>
-              <a:rPr lang="da-DK" dirty="0">
-                <a:solidFill>
-                  <a:schemeClr val="bg1"/>
-                </a:solidFill>
-              </a:rPr>
-              <a:t>Nikolaj Brandt Hemmeshøj</a:t>
-            </a:r>
-          </a:p>
-          <a:p>
-            <a:pPr marL="0" indent="0">
-              <a:buNone/>
-            </a:pPr>
-            <a:r>
-              <a:rPr lang="da-DK" dirty="0">
-                <a:solidFill>
-                  <a:schemeClr val="bg1"/>
-                </a:solidFill>
-              </a:rPr>
-              <a:t>Jon Bertelsen</a:t>
-            </a:r>
+              <a:t>Netværk og HTTP</a:t>
+            </a:r>
+            <a:endParaRPr lang="en-US" dirty="0"/>
           </a:p>
         </p:txBody>
       </p:sp>
@@ -2167,7 +1961,7 @@
       </p:pic>
       <p:pic>
         <p:nvPicPr>
-          <p:cNvPr id="2" name="Picture 1" descr="5fotos.png"/>
+          <p:cNvPr id="7" name="Picture 6" descr="3fotos.png"/>
           <p:cNvPicPr>
             <a:picLocks noChangeAspect="1"/>
           </p:cNvPicPr>
@@ -2187,38 +1981,8 @@
         </p:blipFill>
         <p:spPr>
           <a:xfrm>
-            <a:off x="1215788" y="1279054"/>
-            <a:ext cx="8309043" cy="2029164"/>
-          </a:xfrm>
-          <a:prstGeom prst="rect">
-            <a:avLst/>
-          </a:prstGeom>
-        </p:spPr>
-      </p:pic>
-      <p:pic>
-        <p:nvPicPr>
-          <p:cNvPr id="3" name="Picture 2" descr="CPH_CBA_Payoff_NEG_CMYK.png"/>
-          <p:cNvPicPr>
-            <a:picLocks noChangeAspect="1"/>
-          </p:cNvPicPr>
-          <p:nvPr/>
-        </p:nvPicPr>
-        <p:blipFill>
-          <a:blip r:embed="rId4">
-            <a:extLst>
-              <a:ext uri="{28A0092B-C50C-407E-A947-70E740481C1C}">
-                <a14:useLocalDpi xmlns:a14="http://schemas.microsoft.com/office/drawing/2010/main" val="0"/>
-              </a:ext>
-            </a:extLst>
-          </a:blip>
-          <a:stretch>
-            <a:fillRect/>
-          </a:stretch>
-        </p:blipFill>
-        <p:spPr>
-          <a:xfrm>
-            <a:off x="1215790" y="1149719"/>
-            <a:ext cx="7311326" cy="198320"/>
+            <a:off x="1215788" y="1304241"/>
+            <a:ext cx="7500977" cy="3443013"/>
           </a:xfrm>
           <a:prstGeom prst="rect">
             <a:avLst/>
@@ -2228,7 +1992,7 @@
     </p:spTree>
     <p:extLst>
       <p:ext uri="{BB962C8B-B14F-4D97-AF65-F5344CB8AC3E}">
-        <p14:creationId xmlns:p14="http://schemas.microsoft.com/office/powerpoint/2010/main" val="4108084828"/>
+        <p14:creationId xmlns:p14="http://schemas.microsoft.com/office/powerpoint/2010/main" val="3129292646"/>
       </p:ext>
     </p:extLst>
   </p:cSld>
@@ -2260,7 +2024,7 @@
           <p:cNvPr id="2" name="Text Placeholder 1">
             <a:extLst>
               <a:ext uri="{FF2B5EF4-FFF2-40B4-BE49-F238E27FC236}">
-                <a16:creationId xmlns:a16="http://schemas.microsoft.com/office/drawing/2014/main" id="{DB187C32-3E3C-DA45-A825-13C76D51677B}"/>
+                <a16:creationId xmlns:a16="http://schemas.microsoft.com/office/drawing/2014/main" id="{8486FF14-D5DE-E541-8F21-6BA8881C7A3B}"/>
               </a:ext>
             </a:extLst>
           </p:cNvPr>
@@ -2278,15 +2042,15 @@
           <a:p>
             <a:r>
               <a:rPr lang="da-DK" dirty="0"/>
-              <a:t>Demo af </a:t>
+              <a:t>Oversætte og køre et </a:t>
             </a:r>
             <a:r>
               <a:rPr lang="da-DK" dirty="0" err="1"/>
-              <a:t>picoserver</a:t>
-            </a:r>
-            <a:r>
-              <a:rPr lang="da-DK" dirty="0"/>
-              <a:t> 2</a:t>
+              <a:t>java</a:t>
+            </a:r>
+            <a:r>
+              <a:rPr lang="da-DK" dirty="0"/>
+              <a:t> program</a:t>
             </a:r>
           </a:p>
         </p:txBody>
@@ -2296,7 +2060,7 @@
           <p:cNvPr id="3" name="Text Placeholder 2">
             <a:extLst>
               <a:ext uri="{FF2B5EF4-FFF2-40B4-BE49-F238E27FC236}">
-                <a16:creationId xmlns:a16="http://schemas.microsoft.com/office/drawing/2014/main" id="{AFB71D7A-259C-3E43-9987-BBC0D558485F}"/>
+                <a16:creationId xmlns:a16="http://schemas.microsoft.com/office/drawing/2014/main" id="{3F7B82FF-DB30-094D-93BA-8C805FA2D57A}"/>
               </a:ext>
             </a:extLst>
           </p:cNvPr>
@@ -2312,88 +2076,102 @@
           <a:bodyPr/>
           <a:lstStyle/>
           <a:p>
+            <a:r>
+              <a:rPr lang="da-DK" dirty="0"/>
+              <a:t>Source og </a:t>
+            </a:r>
+            <a:r>
+              <a:rPr lang="da-DK" dirty="0" err="1"/>
+              <a:t>target</a:t>
+            </a:r>
+            <a:r>
+              <a:rPr lang="da-DK" dirty="0"/>
+              <a:t> </a:t>
+            </a:r>
+            <a:r>
+              <a:rPr lang="da-DK" dirty="0" err="1"/>
+              <a:t>directories</a:t>
+            </a:r>
+            <a:endParaRPr lang="da-DK" dirty="0"/>
+          </a:p>
+          <a:p>
+            <a:pPr lvl="1"/>
+            <a:r>
+              <a:rPr lang="da-DK" dirty="0"/>
+              <a:t>(( Project &amp; File </a:t>
+            </a:r>
+            <a:r>
+              <a:rPr lang="da-DK" dirty="0" err="1"/>
+              <a:t>windows</a:t>
+            </a:r>
+            <a:r>
+              <a:rPr lang="da-DK" dirty="0"/>
+              <a:t> in </a:t>
+            </a:r>
+            <a:r>
+              <a:rPr lang="da-DK" dirty="0" err="1"/>
+              <a:t>IntelliJ</a:t>
+            </a:r>
+            <a:r>
+              <a:rPr lang="da-DK" dirty="0"/>
+              <a:t> ))</a:t>
+            </a:r>
+          </a:p>
+          <a:p>
+            <a:r>
+              <a:rPr lang="da-DK" dirty="0"/>
+              <a:t>Ressourcer</a:t>
+            </a:r>
+          </a:p>
+          <a:p>
+            <a:pPr lvl="1"/>
+            <a:r>
+              <a:rPr lang="da-DK" dirty="0"/>
+              <a:t>Billeder, database konfigurationer, - og her – hjemmesider.</a:t>
+            </a:r>
+          </a:p>
+          <a:p>
+            <a:pPr marL="496885" lvl="1" indent="0">
+              <a:buNone/>
+            </a:pPr>
+            <a:endParaRPr lang="da-DK" dirty="0"/>
+          </a:p>
+          <a:p>
+            <a:pPr marL="62111" indent="0">
+              <a:buNone/>
+            </a:pPr>
+            <a:r>
+              <a:rPr lang="da-DK" dirty="0"/>
+              <a:t>Undgå at fastlåse sig på et specifikt sted på harddisken.</a:t>
+            </a:r>
+          </a:p>
+          <a:p>
+            <a:pPr marL="62111" indent="0">
+              <a:buNone/>
+            </a:pPr>
+            <a:endParaRPr lang="da-DK" dirty="0"/>
+          </a:p>
+          <a:p>
+            <a:pPr marL="62111" indent="0">
+              <a:buNone/>
+            </a:pPr>
+            <a:endParaRPr lang="da-DK" dirty="0"/>
+          </a:p>
+          <a:p>
+            <a:endParaRPr lang="da-DK" dirty="0"/>
+          </a:p>
+          <a:p>
             <a:pPr marL="0" indent="0">
               <a:buNone/>
             </a:pPr>
-            <a:r>
-              <a:rPr lang="da-DK" sz="1800" dirty="0"/>
-              <a:t>((Jon tegner og fortæller om de to eksempler))</a:t>
-            </a:r>
-          </a:p>
-          <a:p>
-            <a:pPr marL="0" indent="0">
-              <a:buNone/>
-            </a:pPr>
-            <a:endParaRPr lang="da-DK" sz="1800" dirty="0"/>
-          </a:p>
-          <a:p>
-            <a:pPr marL="0" indent="0">
-              <a:buNone/>
-            </a:pPr>
-            <a:r>
-              <a:rPr lang="da-DK" sz="1800" dirty="0"/>
-              <a:t>Centralt i internettet er </a:t>
-            </a:r>
-          </a:p>
-          <a:p>
-            <a:r>
-              <a:rPr lang="da-DK" sz="1800" dirty="0"/>
-              <a:t>Selve nettet, IP adresser, DNS, </a:t>
-            </a:r>
-            <a:r>
-              <a:rPr lang="da-DK" sz="1800" dirty="0" err="1"/>
-              <a:t>portnumre</a:t>
-            </a:r>
-            <a:endParaRPr lang="da-DK" sz="1800" dirty="0"/>
-          </a:p>
-          <a:p>
-            <a:r>
-              <a:rPr lang="da-DK" sz="1800" dirty="0"/>
-              <a:t>Protokoller (hvilken information der sendes, og formatet på denne)</a:t>
-            </a:r>
-          </a:p>
-          <a:p>
-            <a:endParaRPr lang="da-DK" sz="1800" dirty="0"/>
-          </a:p>
-          <a:p>
-            <a:pPr marL="0" indent="0">
-              <a:buNone/>
-            </a:pPr>
-            <a:r>
-              <a:rPr lang="da-DK" sz="1800" dirty="0"/>
-              <a:t>WWW bygger på to centrale standarder:</a:t>
-            </a:r>
-          </a:p>
-          <a:p>
-            <a:r>
-              <a:rPr lang="da-DK" sz="1800" dirty="0"/>
-              <a:t>HTTP – formatet på de beskeder der udveksles</a:t>
-            </a:r>
-          </a:p>
-          <a:p>
-            <a:r>
-              <a:rPr lang="da-DK" sz="1800" dirty="0"/>
-              <a:t>HTML – formatet på hvordan en hjemmeside beskrives</a:t>
-            </a:r>
-          </a:p>
-          <a:p>
-            <a:endParaRPr lang="da-DK" sz="1800" dirty="0"/>
-          </a:p>
-          <a:p>
-            <a:pPr marL="0" indent="0">
-              <a:buNone/>
-            </a:pPr>
-            <a:r>
-              <a:rPr lang="da-DK" sz="1800" dirty="0"/>
-              <a:t>Bemærk at HTTP bruges også til at sende billeder og  </a:t>
-            </a:r>
+            <a:endParaRPr lang="da-DK" dirty="0"/>
           </a:p>
         </p:txBody>
       </p:sp>
     </p:spTree>
     <p:extLst>
       <p:ext uri="{BB962C8B-B14F-4D97-AF65-F5344CB8AC3E}">
-        <p14:creationId xmlns:p14="http://schemas.microsoft.com/office/powerpoint/2010/main" val="2234453349"/>
+        <p14:creationId xmlns:p14="http://schemas.microsoft.com/office/powerpoint/2010/main" val="2746240426"/>
       </p:ext>
     </p:extLst>
   </p:cSld>
@@ -2425,6 +2203,1328 @@
           <p:cNvPr id="2" name="Text Placeholder 1">
             <a:extLst>
               <a:ext uri="{FF2B5EF4-FFF2-40B4-BE49-F238E27FC236}">
+                <a16:creationId xmlns:a16="http://schemas.microsoft.com/office/drawing/2014/main" id="{6D26B72D-FFCF-0048-BB26-CE00456D5816}"/>
+              </a:ext>
+            </a:extLst>
+          </p:cNvPr>
+          <p:cNvSpPr>
+            <a:spLocks noGrp="1"/>
+          </p:cNvSpPr>
+          <p:nvPr>
+            <p:ph type="body" sz="quarter" idx="10"/>
+          </p:nvPr>
+        </p:nvSpPr>
+        <p:spPr/>
+        <p:txBody>
+          <a:bodyPr/>
+          <a:lstStyle/>
+          <a:p>
+            <a:r>
+              <a:rPr lang="da-DK" dirty="0"/>
+              <a:t>Opgave</a:t>
+            </a:r>
+          </a:p>
+        </p:txBody>
+      </p:sp>
+      <p:sp>
+        <p:nvSpPr>
+          <p:cNvPr id="3" name="Text Placeholder 2">
+            <a:extLst>
+              <a:ext uri="{FF2B5EF4-FFF2-40B4-BE49-F238E27FC236}">
+                <a16:creationId xmlns:a16="http://schemas.microsoft.com/office/drawing/2014/main" id="{3CD23941-5087-5D48-93F5-283C313DE14A}"/>
+              </a:ext>
+            </a:extLst>
+          </p:cNvPr>
+          <p:cNvSpPr>
+            <a:spLocks noGrp="1"/>
+          </p:cNvSpPr>
+          <p:nvPr>
+            <p:ph type="body" sz="quarter" idx="11"/>
+          </p:nvPr>
+        </p:nvSpPr>
+        <p:spPr/>
+        <p:txBody>
+          <a:bodyPr/>
+          <a:lstStyle/>
+          <a:p>
+            <a:r>
+              <a:rPr lang="da-DK" dirty="0"/>
+              <a:t>Lav to simple hjemmesider og få jeres server til at kunne returnere dem.</a:t>
+            </a:r>
+          </a:p>
+        </p:txBody>
+      </p:sp>
+    </p:spTree>
+    <p:extLst>
+      <p:ext uri="{BB962C8B-B14F-4D97-AF65-F5344CB8AC3E}">
+        <p14:creationId xmlns:p14="http://schemas.microsoft.com/office/powerpoint/2010/main" val="1662892106"/>
+      </p:ext>
+    </p:extLst>
+  </p:cSld>
+  <p:clrMapOvr>
+    <a:masterClrMapping/>
+  </p:clrMapOvr>
+</p:sld>
+</file>
+
+<file path=ppt/slides/slide12.xml><?xml version="1.0" encoding="utf-8"?>
+<p:sld xmlns:a="http://schemas.openxmlformats.org/drawingml/2006/main" xmlns:r="http://schemas.openxmlformats.org/officeDocument/2006/relationships" xmlns:p="http://schemas.openxmlformats.org/presentationml/2006/main">
+  <p:cSld>
+    <p:spTree>
+      <p:nvGrpSpPr>
+        <p:cNvPr id="1" name=""/>
+        <p:cNvGrpSpPr/>
+        <p:nvPr/>
+      </p:nvGrpSpPr>
+      <p:grpSpPr>
+        <a:xfrm>
+          <a:off x="0" y="0"/>
+          <a:ext cx="0" cy="0"/>
+          <a:chOff x="0" y="0"/>
+          <a:chExt cx="0" cy="0"/>
+        </a:xfrm>
+      </p:grpSpPr>
+      <p:sp>
+        <p:nvSpPr>
+          <p:cNvPr id="2" name="Text Placeholder 1">
+            <a:extLst>
+              <a:ext uri="{FF2B5EF4-FFF2-40B4-BE49-F238E27FC236}">
+                <a16:creationId xmlns:a16="http://schemas.microsoft.com/office/drawing/2014/main" id="{13BAA585-13D6-2E45-BFAA-A94EBA481D38}"/>
+              </a:ext>
+            </a:extLst>
+          </p:cNvPr>
+          <p:cNvSpPr>
+            <a:spLocks noGrp="1"/>
+          </p:cNvSpPr>
+          <p:nvPr>
+            <p:ph type="body" sz="quarter" idx="10"/>
+          </p:nvPr>
+        </p:nvSpPr>
+        <p:spPr/>
+        <p:txBody>
+          <a:bodyPr/>
+          <a:lstStyle/>
+          <a:p>
+            <a:r>
+              <a:rPr lang="da-DK" dirty="0"/>
+              <a:t>Statiske og dynamiske sider</a:t>
+            </a:r>
+          </a:p>
+        </p:txBody>
+      </p:sp>
+      <p:sp>
+        <p:nvSpPr>
+          <p:cNvPr id="3" name="Text Placeholder 2">
+            <a:extLst>
+              <a:ext uri="{FF2B5EF4-FFF2-40B4-BE49-F238E27FC236}">
+                <a16:creationId xmlns:a16="http://schemas.microsoft.com/office/drawing/2014/main" id="{3FCE52D2-744C-844A-A9A7-A77A9488DF8C}"/>
+              </a:ext>
+            </a:extLst>
+          </p:cNvPr>
+          <p:cNvSpPr>
+            <a:spLocks noGrp="1"/>
+          </p:cNvSpPr>
+          <p:nvPr>
+            <p:ph type="body" sz="quarter" idx="11"/>
+          </p:nvPr>
+        </p:nvSpPr>
+        <p:spPr/>
+        <p:txBody>
+          <a:bodyPr/>
+          <a:lstStyle/>
+          <a:p>
+            <a:r>
+              <a:rPr lang="da-DK" dirty="0"/>
+              <a:t>(( gennemgå picoserver06 ))</a:t>
+            </a:r>
+          </a:p>
+          <a:p>
+            <a:r>
+              <a:rPr lang="da-DK" dirty="0"/>
+              <a:t>Tre centrale dele</a:t>
+            </a:r>
+          </a:p>
+          <a:p>
+            <a:pPr lvl="1"/>
+            <a:r>
+              <a:rPr lang="da-DK" dirty="0"/>
+              <a:t>Fejl håndtering</a:t>
+            </a:r>
+          </a:p>
+          <a:p>
+            <a:pPr lvl="1"/>
+            <a:r>
+              <a:rPr lang="da-DK" dirty="0"/>
+              <a:t>Statiske sider genkendt ud fra ”.html” / ”.</a:t>
+            </a:r>
+            <a:r>
+              <a:rPr lang="da-DK" dirty="0" err="1"/>
+              <a:t>txt</a:t>
+            </a:r>
+            <a:r>
+              <a:rPr lang="da-DK" dirty="0"/>
+              <a:t>”</a:t>
+            </a:r>
+          </a:p>
+          <a:p>
+            <a:pPr lvl="1"/>
+            <a:r>
+              <a:rPr lang="da-DK" dirty="0"/>
+              <a:t>Dynamiske sider kodet</a:t>
+            </a:r>
+          </a:p>
+        </p:txBody>
+      </p:sp>
+    </p:spTree>
+    <p:extLst>
+      <p:ext uri="{BB962C8B-B14F-4D97-AF65-F5344CB8AC3E}">
+        <p14:creationId xmlns:p14="http://schemas.microsoft.com/office/powerpoint/2010/main" val="2344336598"/>
+      </p:ext>
+    </p:extLst>
+  </p:cSld>
+  <p:clrMapOvr>
+    <a:masterClrMapping/>
+  </p:clrMapOvr>
+</p:sld>
+</file>
+
+<file path=ppt/slides/slide13.xml><?xml version="1.0" encoding="utf-8"?>
+<p:sld xmlns:a="http://schemas.openxmlformats.org/drawingml/2006/main" xmlns:r="http://schemas.openxmlformats.org/officeDocument/2006/relationships" xmlns:p="http://schemas.openxmlformats.org/presentationml/2006/main">
+  <p:cSld>
+    <p:spTree>
+      <p:nvGrpSpPr>
+        <p:cNvPr id="1" name=""/>
+        <p:cNvGrpSpPr/>
+        <p:nvPr/>
+      </p:nvGrpSpPr>
+      <p:grpSpPr>
+        <a:xfrm>
+          <a:off x="0" y="0"/>
+          <a:ext cx="0" cy="0"/>
+          <a:chOff x="0" y="0"/>
+          <a:chExt cx="0" cy="0"/>
+        </a:xfrm>
+      </p:grpSpPr>
+      <p:sp>
+        <p:nvSpPr>
+          <p:cNvPr id="2" name="Text Placeholder 1">
+            <a:extLst>
+              <a:ext uri="{FF2B5EF4-FFF2-40B4-BE49-F238E27FC236}">
+                <a16:creationId xmlns:a16="http://schemas.microsoft.com/office/drawing/2014/main" id="{CCD4F27A-B509-5B46-8FBC-224A49443234}"/>
+              </a:ext>
+            </a:extLst>
+          </p:cNvPr>
+          <p:cNvSpPr>
+            <a:spLocks noGrp="1"/>
+          </p:cNvSpPr>
+          <p:nvPr>
+            <p:ph type="body" sz="quarter" idx="10"/>
+          </p:nvPr>
+        </p:nvSpPr>
+        <p:spPr/>
+        <p:txBody>
+          <a:bodyPr/>
+          <a:lstStyle/>
+          <a:p>
+            <a:r>
+              <a:rPr lang="da-DK" dirty="0"/>
+              <a:t>Opgave</a:t>
+            </a:r>
+          </a:p>
+        </p:txBody>
+      </p:sp>
+      <p:sp>
+        <p:nvSpPr>
+          <p:cNvPr id="3" name="Text Placeholder 2">
+            <a:extLst>
+              <a:ext uri="{FF2B5EF4-FFF2-40B4-BE49-F238E27FC236}">
+                <a16:creationId xmlns:a16="http://schemas.microsoft.com/office/drawing/2014/main" id="{8F233D14-1FFD-6847-8040-ED8DA2C012FA}"/>
+              </a:ext>
+            </a:extLst>
+          </p:cNvPr>
+          <p:cNvSpPr>
+            <a:spLocks noGrp="1"/>
+          </p:cNvSpPr>
+          <p:nvPr>
+            <p:ph type="body" sz="quarter" idx="11"/>
+          </p:nvPr>
+        </p:nvSpPr>
+        <p:spPr/>
+        <p:txBody>
+          <a:bodyPr/>
+          <a:lstStyle/>
+          <a:p>
+            <a:r>
+              <a:rPr lang="da-DK" dirty="0"/>
+              <a:t>Få picoserver06 til at køre</a:t>
+            </a:r>
+          </a:p>
+          <a:p>
+            <a:r>
+              <a:rPr lang="da-DK" dirty="0"/>
+              <a:t>kald </a:t>
+            </a:r>
+            <a:r>
+              <a:rPr lang="da-DK" dirty="0" err="1"/>
+              <a:t>addnumbers</a:t>
+            </a:r>
+            <a:r>
+              <a:rPr lang="da-DK" dirty="0"/>
+              <a:t> fra to forskellige browsere</a:t>
+            </a:r>
+          </a:p>
+          <a:p>
+            <a:r>
+              <a:rPr lang="da-DK" dirty="0"/>
+              <a:t>Få picoserver06 til at give en fejlmeddelelse</a:t>
+            </a:r>
+          </a:p>
+          <a:p>
+            <a:r>
+              <a:rPr lang="da-DK" dirty="0"/>
+              <a:t>Prøv den på den ene af de to filer vi lavede før</a:t>
+            </a:r>
+          </a:p>
+        </p:txBody>
+      </p:sp>
+    </p:spTree>
+    <p:extLst>
+      <p:ext uri="{BB962C8B-B14F-4D97-AF65-F5344CB8AC3E}">
+        <p14:creationId xmlns:p14="http://schemas.microsoft.com/office/powerpoint/2010/main" val="2183876998"/>
+      </p:ext>
+    </p:extLst>
+  </p:cSld>
+  <p:clrMapOvr>
+    <a:masterClrMapping/>
+  </p:clrMapOvr>
+</p:sld>
+</file>
+
+<file path=ppt/slides/slide14.xml><?xml version="1.0" encoding="utf-8"?>
+<p:sld xmlns:a="http://schemas.openxmlformats.org/drawingml/2006/main" xmlns:r="http://schemas.openxmlformats.org/officeDocument/2006/relationships" xmlns:p="http://schemas.openxmlformats.org/presentationml/2006/main">
+  <p:cSld>
+    <p:spTree>
+      <p:nvGrpSpPr>
+        <p:cNvPr id="1" name=""/>
+        <p:cNvGrpSpPr/>
+        <p:nvPr/>
+      </p:nvGrpSpPr>
+      <p:grpSpPr>
+        <a:xfrm>
+          <a:off x="0" y="0"/>
+          <a:ext cx="0" cy="0"/>
+          <a:chOff x="0" y="0"/>
+          <a:chExt cx="0" cy="0"/>
+        </a:xfrm>
+      </p:grpSpPr>
+      <p:sp>
+        <p:nvSpPr>
+          <p:cNvPr id="2" name="Text Placeholder 1">
+            <a:extLst>
+              <a:ext uri="{FF2B5EF4-FFF2-40B4-BE49-F238E27FC236}">
+                <a16:creationId xmlns:a16="http://schemas.microsoft.com/office/drawing/2014/main" id="{1FF7367A-6CC0-6C40-979A-415564AC78F7}"/>
+              </a:ext>
+            </a:extLst>
+          </p:cNvPr>
+          <p:cNvSpPr>
+            <a:spLocks noGrp="1"/>
+          </p:cNvSpPr>
+          <p:nvPr>
+            <p:ph type="body" sz="quarter" idx="10"/>
+          </p:nvPr>
+        </p:nvSpPr>
+        <p:spPr/>
+        <p:txBody>
+          <a:bodyPr/>
+          <a:lstStyle/>
+          <a:p>
+            <a:r>
+              <a:rPr lang="da-DK" dirty="0"/>
+              <a:t>Opgaverne til denne uge</a:t>
+            </a:r>
+          </a:p>
+        </p:txBody>
+      </p:sp>
+      <p:sp>
+        <p:nvSpPr>
+          <p:cNvPr id="3" name="Text Placeholder 2">
+            <a:extLst>
+              <a:ext uri="{FF2B5EF4-FFF2-40B4-BE49-F238E27FC236}">
+                <a16:creationId xmlns:a16="http://schemas.microsoft.com/office/drawing/2014/main" id="{5FB84CC8-C741-5241-A406-B095E620BDE3}"/>
+              </a:ext>
+            </a:extLst>
+          </p:cNvPr>
+          <p:cNvSpPr>
+            <a:spLocks noGrp="1"/>
+          </p:cNvSpPr>
+          <p:nvPr>
+            <p:ph type="body" sz="quarter" idx="11"/>
+          </p:nvPr>
+        </p:nvSpPr>
+        <p:spPr/>
+        <p:txBody>
+          <a:bodyPr/>
+          <a:lstStyle/>
+          <a:p>
+            <a:pPr marL="0" indent="0">
+              <a:buNone/>
+            </a:pPr>
+            <a:r>
+              <a:rPr lang="da-DK" dirty="0"/>
+              <a:t>(( Se materialet på hjemmesiderne ))</a:t>
+            </a:r>
+          </a:p>
+        </p:txBody>
+      </p:sp>
+    </p:spTree>
+    <p:extLst>
+      <p:ext uri="{BB962C8B-B14F-4D97-AF65-F5344CB8AC3E}">
+        <p14:creationId xmlns:p14="http://schemas.microsoft.com/office/powerpoint/2010/main" val="3034563242"/>
+      </p:ext>
+    </p:extLst>
+  </p:cSld>
+  <p:clrMapOvr>
+    <a:masterClrMapping/>
+  </p:clrMapOvr>
+</p:sld>
+</file>
+
+<file path=ppt/slides/slide15.xml><?xml version="1.0" encoding="utf-8"?>
+<p:sld xmlns:a="http://schemas.openxmlformats.org/drawingml/2006/main" xmlns:r="http://schemas.openxmlformats.org/officeDocument/2006/relationships" xmlns:p="http://schemas.openxmlformats.org/presentationml/2006/main">
+  <p:cSld>
+    <p:spTree>
+      <p:nvGrpSpPr>
+        <p:cNvPr id="1" name=""/>
+        <p:cNvGrpSpPr/>
+        <p:nvPr/>
+      </p:nvGrpSpPr>
+      <p:grpSpPr>
+        <a:xfrm>
+          <a:off x="0" y="0"/>
+          <a:ext cx="0" cy="0"/>
+          <a:chOff x="0" y="0"/>
+          <a:chExt cx="0" cy="0"/>
+        </a:xfrm>
+      </p:grpSpPr>
+      <p:sp>
+        <p:nvSpPr>
+          <p:cNvPr id="2" name="Text Placeholder 1">
+            <a:extLst>
+              <a:ext uri="{FF2B5EF4-FFF2-40B4-BE49-F238E27FC236}">
+                <a16:creationId xmlns:a16="http://schemas.microsoft.com/office/drawing/2014/main" id="{396A61FC-C9B4-DC42-80FC-CEC42E0B9889}"/>
+              </a:ext>
+            </a:extLst>
+          </p:cNvPr>
+          <p:cNvSpPr>
+            <a:spLocks noGrp="1"/>
+          </p:cNvSpPr>
+          <p:nvPr>
+            <p:ph type="body" sz="quarter" idx="10"/>
+          </p:nvPr>
+        </p:nvSpPr>
+        <p:spPr/>
+        <p:txBody>
+          <a:bodyPr/>
+          <a:lstStyle/>
+          <a:p>
+            <a:r>
+              <a:rPr lang="da-DK" dirty="0"/>
+              <a:t>Kort demo af klient kode</a:t>
+            </a:r>
+          </a:p>
+        </p:txBody>
+      </p:sp>
+      <p:sp>
+        <p:nvSpPr>
+          <p:cNvPr id="3" name="Text Placeholder 2">
+            <a:extLst>
+              <a:ext uri="{FF2B5EF4-FFF2-40B4-BE49-F238E27FC236}">
+                <a16:creationId xmlns:a16="http://schemas.microsoft.com/office/drawing/2014/main" id="{294F0D91-8429-3C4A-92FA-F82BE6C264C1}"/>
+              </a:ext>
+            </a:extLst>
+          </p:cNvPr>
+          <p:cNvSpPr>
+            <a:spLocks noGrp="1"/>
+          </p:cNvSpPr>
+          <p:nvPr>
+            <p:ph type="body" sz="quarter" idx="11"/>
+          </p:nvPr>
+        </p:nvSpPr>
+        <p:spPr/>
+        <p:txBody>
+          <a:bodyPr/>
+          <a:lstStyle/>
+          <a:p>
+            <a:pPr marL="0" indent="0">
+              <a:buNone/>
+            </a:pPr>
+            <a:r>
+              <a:rPr lang="da-DK"/>
+              <a:t>--- Hvis vi har tid</a:t>
+            </a:r>
+            <a:endParaRPr lang="da-DK" dirty="0"/>
+          </a:p>
+          <a:p>
+            <a:pPr marL="0" indent="0">
+              <a:buNone/>
+            </a:pPr>
+            <a:endParaRPr lang="da-DK" dirty="0"/>
+          </a:p>
+          <a:p>
+            <a:pPr marL="0" indent="0">
+              <a:buNone/>
+            </a:pPr>
+            <a:r>
+              <a:rPr lang="da-DK" dirty="0"/>
+              <a:t>(( vis </a:t>
+            </a:r>
+            <a:r>
+              <a:rPr lang="da-DK" dirty="0" err="1"/>
+              <a:t>ClientMain</a:t>
+            </a:r>
+            <a:r>
+              <a:rPr lang="da-DK" dirty="0"/>
+              <a:t> ))</a:t>
+            </a:r>
+          </a:p>
+        </p:txBody>
+      </p:sp>
+    </p:spTree>
+    <p:extLst>
+      <p:ext uri="{BB962C8B-B14F-4D97-AF65-F5344CB8AC3E}">
+        <p14:creationId xmlns:p14="http://schemas.microsoft.com/office/powerpoint/2010/main" val="708240865"/>
+      </p:ext>
+    </p:extLst>
+  </p:cSld>
+  <p:clrMapOvr>
+    <a:masterClrMapping/>
+  </p:clrMapOvr>
+</p:sld>
+</file>
+
+<file path=ppt/slides/slide16.xml><?xml version="1.0" encoding="utf-8"?>
+<p:sld xmlns:a="http://schemas.openxmlformats.org/drawingml/2006/main" xmlns:r="http://schemas.openxmlformats.org/officeDocument/2006/relationships" xmlns:p="http://schemas.openxmlformats.org/presentationml/2006/main">
+  <p:cSld>
+    <p:spTree>
+      <p:nvGrpSpPr>
+        <p:cNvPr id="1" name=""/>
+        <p:cNvGrpSpPr/>
+        <p:nvPr/>
+      </p:nvGrpSpPr>
+      <p:grpSpPr>
+        <a:xfrm>
+          <a:off x="0" y="0"/>
+          <a:ext cx="0" cy="0"/>
+          <a:chOff x="0" y="0"/>
+          <a:chExt cx="0" cy="0"/>
+        </a:xfrm>
+      </p:grpSpPr>
+      <p:sp>
+        <p:nvSpPr>
+          <p:cNvPr id="2" name="Text Placeholder 1">
+            <a:extLst>
+              <a:ext uri="{FF2B5EF4-FFF2-40B4-BE49-F238E27FC236}">
+                <a16:creationId xmlns:a16="http://schemas.microsoft.com/office/drawing/2014/main" id="{4E6D2865-0EEA-B74C-91ED-5898144ED9A0}"/>
+              </a:ext>
+            </a:extLst>
+          </p:cNvPr>
+          <p:cNvSpPr>
+            <a:spLocks noGrp="1"/>
+          </p:cNvSpPr>
+          <p:nvPr>
+            <p:ph type="body" sz="quarter" idx="10"/>
+          </p:nvPr>
+        </p:nvSpPr>
+        <p:spPr/>
+        <p:txBody>
+          <a:bodyPr/>
+          <a:lstStyle/>
+          <a:p>
+            <a:r>
+              <a:rPr lang="da-DK" dirty="0"/>
+              <a:t>Liste over standard protokoller</a:t>
+            </a:r>
+          </a:p>
+        </p:txBody>
+      </p:sp>
+      <p:sp>
+        <p:nvSpPr>
+          <p:cNvPr id="3" name="Text Placeholder 2">
+            <a:extLst>
+              <a:ext uri="{FF2B5EF4-FFF2-40B4-BE49-F238E27FC236}">
+                <a16:creationId xmlns:a16="http://schemas.microsoft.com/office/drawing/2014/main" id="{E1558A35-C492-5D46-96F8-AC65B9663C7F}"/>
+              </a:ext>
+            </a:extLst>
+          </p:cNvPr>
+          <p:cNvSpPr>
+            <a:spLocks noGrp="1"/>
+          </p:cNvSpPr>
+          <p:nvPr>
+            <p:ph type="body" sz="quarter" idx="11"/>
+          </p:nvPr>
+        </p:nvSpPr>
+        <p:spPr/>
+        <p:txBody>
+          <a:bodyPr/>
+          <a:lstStyle/>
+          <a:p>
+            <a:pPr marL="0" indent="0">
+              <a:buNone/>
+            </a:pPr>
+            <a:r>
+              <a:rPr lang="da-DK" sz="1800" dirty="0"/>
+              <a:t>Wikipedia har en </a:t>
+            </a:r>
+            <a:r>
+              <a:rPr lang="da-DK" sz="1800" dirty="0">
+                <a:hlinkClick r:id="rId2"/>
+              </a:rPr>
+              <a:t>liste over hvilke servere</a:t>
+            </a:r>
+            <a:r>
+              <a:rPr lang="da-DK" sz="1800" dirty="0"/>
+              <a:t> der som ”standard” ligger bag forskellige </a:t>
+            </a:r>
+            <a:r>
+              <a:rPr lang="da-DK" sz="1800" dirty="0" err="1"/>
+              <a:t>portnumre</a:t>
+            </a:r>
+            <a:r>
+              <a:rPr lang="da-DK" sz="1800" dirty="0"/>
+              <a:t>.</a:t>
+            </a:r>
+          </a:p>
+          <a:p>
+            <a:pPr marL="0" indent="0">
+              <a:buNone/>
+            </a:pPr>
+            <a:endParaRPr lang="da-DK" sz="1800" dirty="0"/>
+          </a:p>
+          <a:p>
+            <a:pPr marL="0" indent="0">
+              <a:buNone/>
+            </a:pPr>
+            <a:r>
+              <a:rPr lang="da-DK" sz="1800" dirty="0"/>
+              <a:t>Hvilke kender I til?</a:t>
+            </a:r>
+          </a:p>
+          <a:p>
+            <a:pPr marL="0" indent="0">
+              <a:buNone/>
+            </a:pPr>
+            <a:endParaRPr lang="da-DK" sz="1800" dirty="0"/>
+          </a:p>
+        </p:txBody>
+      </p:sp>
+    </p:spTree>
+    <p:extLst>
+      <p:ext uri="{BB962C8B-B14F-4D97-AF65-F5344CB8AC3E}">
+        <p14:creationId xmlns:p14="http://schemas.microsoft.com/office/powerpoint/2010/main" val="3279703675"/>
+      </p:ext>
+    </p:extLst>
+  </p:cSld>
+  <p:clrMapOvr>
+    <a:masterClrMapping/>
+  </p:clrMapOvr>
+</p:sld>
+</file>
+
+<file path=ppt/slides/slide2.xml><?xml version="1.0" encoding="utf-8"?>
+<p:sld xmlns:a="http://schemas.openxmlformats.org/drawingml/2006/main" xmlns:r="http://schemas.openxmlformats.org/officeDocument/2006/relationships" xmlns:p="http://schemas.openxmlformats.org/presentationml/2006/main">
+  <p:cSld>
+    <p:spTree>
+      <p:nvGrpSpPr>
+        <p:cNvPr id="1" name=""/>
+        <p:cNvGrpSpPr/>
+        <p:nvPr/>
+      </p:nvGrpSpPr>
+      <p:grpSpPr>
+        <a:xfrm>
+          <a:off x="0" y="0"/>
+          <a:ext cx="0" cy="0"/>
+          <a:chOff x="0" y="0"/>
+          <a:chExt cx="0" cy="0"/>
+        </a:xfrm>
+      </p:grpSpPr>
+      <p:sp>
+        <p:nvSpPr>
+          <p:cNvPr id="2" name="Title 1"/>
+          <p:cNvSpPr>
+            <a:spLocks noGrp="1"/>
+          </p:cNvSpPr>
+          <p:nvPr>
+            <p:ph type="title"/>
+          </p:nvPr>
+        </p:nvSpPr>
+        <p:spPr>
+          <a:xfrm>
+            <a:off x="683330" y="396736"/>
+            <a:ext cx="8572679" cy="752333"/>
+          </a:xfrm>
+        </p:spPr>
+        <p:txBody>
+          <a:bodyPr/>
+          <a:lstStyle/>
+          <a:p>
+            <a:r>
+              <a:rPr lang="en-US" dirty="0"/>
+              <a:t>Flow 1</a:t>
+            </a:r>
+          </a:p>
+        </p:txBody>
+      </p:sp>
+      <p:sp>
+        <p:nvSpPr>
+          <p:cNvPr id="3" name="Content Placeholder 2"/>
+          <p:cNvSpPr>
+            <a:spLocks noGrp="1"/>
+          </p:cNvSpPr>
+          <p:nvPr>
+            <p:ph idx="1"/>
+          </p:nvPr>
+        </p:nvSpPr>
+        <p:spPr>
+          <a:xfrm>
+            <a:off x="683329" y="1263241"/>
+            <a:ext cx="8572679" cy="4728051"/>
+          </a:xfrm>
+        </p:spPr>
+        <p:txBody>
+          <a:bodyPr/>
+          <a:lstStyle/>
+          <a:p>
+            <a:pPr>
+              <a:spcBef>
+                <a:spcPts val="0"/>
+              </a:spcBef>
+            </a:pPr>
+            <a:endParaRPr lang="en-US" dirty="0"/>
+          </a:p>
+          <a:p>
+            <a:pPr>
+              <a:spcBef>
+                <a:spcPts val="0"/>
+              </a:spcBef>
+            </a:pPr>
+            <a:r>
+              <a:rPr lang="en-US" dirty="0" err="1"/>
+              <a:t>Første</a:t>
+            </a:r>
+            <a:r>
+              <a:rPr lang="en-US" dirty="0"/>
+              <a:t> </a:t>
+            </a:r>
+            <a:r>
+              <a:rPr lang="en-US" dirty="0" err="1"/>
+              <a:t>uge</a:t>
+            </a:r>
+            <a:endParaRPr lang="en-US" dirty="0"/>
+          </a:p>
+          <a:p>
+            <a:pPr lvl="1">
+              <a:spcBef>
+                <a:spcPts val="0"/>
+              </a:spcBef>
+            </a:pPr>
+            <a:r>
+              <a:rPr lang="en-US" dirty="0"/>
+              <a:t>Java, OOP, TDD </a:t>
+            </a:r>
+            <a:r>
+              <a:rPr lang="en-US" dirty="0" err="1"/>
+              <a:t>og</a:t>
+            </a:r>
+            <a:r>
+              <a:rPr lang="en-US" dirty="0"/>
+              <a:t> GIT</a:t>
+            </a:r>
+          </a:p>
+          <a:p>
+            <a:pPr marL="496885" lvl="1" indent="0">
+              <a:spcBef>
+                <a:spcPts val="0"/>
+              </a:spcBef>
+              <a:buNone/>
+            </a:pPr>
+            <a:endParaRPr lang="en-US" dirty="0"/>
+          </a:p>
+          <a:p>
+            <a:pPr>
+              <a:spcBef>
+                <a:spcPts val="0"/>
+              </a:spcBef>
+            </a:pPr>
+            <a:r>
+              <a:rPr lang="en-US" dirty="0" err="1"/>
+              <a:t>Anden</a:t>
+            </a:r>
+            <a:r>
+              <a:rPr lang="en-US" dirty="0"/>
+              <a:t> </a:t>
+            </a:r>
+            <a:r>
+              <a:rPr lang="en-US" dirty="0" err="1"/>
+              <a:t>uge</a:t>
+            </a:r>
+            <a:endParaRPr lang="en-US" dirty="0"/>
+          </a:p>
+          <a:p>
+            <a:pPr lvl="1">
+              <a:spcBef>
+                <a:spcPts val="0"/>
+              </a:spcBef>
+            </a:pPr>
+            <a:r>
+              <a:rPr lang="en-US" dirty="0" err="1"/>
+              <a:t>Lav</a:t>
+            </a:r>
+            <a:r>
+              <a:rPr lang="en-US" dirty="0"/>
+              <a:t> din </a:t>
+            </a:r>
+            <a:r>
+              <a:rPr lang="en-US" dirty="0" err="1"/>
+              <a:t>egen</a:t>
+            </a:r>
+            <a:r>
+              <a:rPr lang="en-US" dirty="0"/>
+              <a:t> webserver</a:t>
+            </a:r>
+          </a:p>
+          <a:p>
+            <a:pPr lvl="1">
+              <a:spcBef>
+                <a:spcPts val="0"/>
+              </a:spcBef>
+            </a:pPr>
+            <a:endParaRPr lang="en-US" dirty="0"/>
+          </a:p>
+          <a:p>
+            <a:pPr>
+              <a:spcBef>
+                <a:spcPts val="0"/>
+              </a:spcBef>
+            </a:pPr>
+            <a:r>
+              <a:rPr lang="en-US" dirty="0" err="1"/>
+              <a:t>Tredie</a:t>
+            </a:r>
+            <a:r>
+              <a:rPr lang="en-US" dirty="0"/>
+              <a:t> </a:t>
+            </a:r>
+            <a:r>
+              <a:rPr lang="en-US" dirty="0" err="1"/>
+              <a:t>uge</a:t>
+            </a:r>
+            <a:endParaRPr lang="en-US" dirty="0"/>
+          </a:p>
+          <a:p>
+            <a:pPr lvl="1">
+              <a:spcBef>
+                <a:spcPts val="0"/>
+              </a:spcBef>
+            </a:pPr>
+            <a:r>
+              <a:rPr lang="en-US" dirty="0" err="1"/>
+              <a:t>Optimer</a:t>
+            </a:r>
+            <a:r>
+              <a:rPr lang="en-US" dirty="0"/>
+              <a:t> den med </a:t>
+            </a:r>
+            <a:r>
+              <a:rPr lang="en-US" dirty="0" err="1"/>
+              <a:t>flere</a:t>
+            </a:r>
+            <a:r>
+              <a:rPr lang="en-US" dirty="0"/>
+              <a:t> </a:t>
+            </a:r>
+            <a:r>
+              <a:rPr lang="en-US" dirty="0" err="1"/>
+              <a:t>tråde</a:t>
+            </a:r>
+            <a:endParaRPr lang="en-US" dirty="0"/>
+          </a:p>
+        </p:txBody>
+      </p:sp>
+    </p:spTree>
+    <p:extLst>
+      <p:ext uri="{BB962C8B-B14F-4D97-AF65-F5344CB8AC3E}">
+        <p14:creationId xmlns:p14="http://schemas.microsoft.com/office/powerpoint/2010/main" val="1808800654"/>
+      </p:ext>
+    </p:extLst>
+  </p:cSld>
+  <p:clrMapOvr>
+    <a:masterClrMapping/>
+  </p:clrMapOvr>
+</p:sld>
+</file>
+
+<file path=ppt/slides/slide3.xml><?xml version="1.0" encoding="utf-8"?>
+<p:sld xmlns:a="http://schemas.openxmlformats.org/drawingml/2006/main" xmlns:r="http://schemas.openxmlformats.org/officeDocument/2006/relationships" xmlns:p="http://schemas.openxmlformats.org/presentationml/2006/main">
+  <p:cSld>
+    <p:spTree>
+      <p:nvGrpSpPr>
+        <p:cNvPr id="1" name=""/>
+        <p:cNvGrpSpPr/>
+        <p:nvPr/>
+      </p:nvGrpSpPr>
+      <p:grpSpPr>
+        <a:xfrm>
+          <a:off x="0" y="0"/>
+          <a:ext cx="0" cy="0"/>
+          <a:chOff x="0" y="0"/>
+          <a:chExt cx="0" cy="0"/>
+        </a:xfrm>
+      </p:grpSpPr>
+      <p:sp>
+        <p:nvSpPr>
+          <p:cNvPr id="2" name="Title 1"/>
+          <p:cNvSpPr>
+            <a:spLocks noGrp="1"/>
+          </p:cNvSpPr>
+          <p:nvPr>
+            <p:ph type="title"/>
+          </p:nvPr>
+        </p:nvSpPr>
+        <p:spPr>
+          <a:xfrm>
+            <a:off x="683330" y="396736"/>
+            <a:ext cx="8572679" cy="752333"/>
+          </a:xfrm>
+        </p:spPr>
+        <p:txBody>
+          <a:bodyPr/>
+          <a:lstStyle/>
+          <a:p>
+            <a:r>
+              <a:rPr lang="en-US" dirty="0" err="1"/>
+              <a:t>Internettets</a:t>
+            </a:r>
+            <a:r>
+              <a:rPr lang="en-US" dirty="0"/>
+              <a:t> </a:t>
+            </a:r>
+            <a:r>
+              <a:rPr lang="en-US" dirty="0" err="1"/>
+              <a:t>opbygning</a:t>
+            </a:r>
+            <a:endParaRPr lang="en-US" dirty="0"/>
+          </a:p>
+        </p:txBody>
+      </p:sp>
+      <p:sp>
+        <p:nvSpPr>
+          <p:cNvPr id="3" name="Content Placeholder 2"/>
+          <p:cNvSpPr>
+            <a:spLocks noGrp="1"/>
+          </p:cNvSpPr>
+          <p:nvPr>
+            <p:ph idx="1"/>
+          </p:nvPr>
+        </p:nvSpPr>
+        <p:spPr>
+          <a:xfrm>
+            <a:off x="683329" y="1263241"/>
+            <a:ext cx="8572679" cy="4728051"/>
+          </a:xfrm>
+        </p:spPr>
+        <p:txBody>
+          <a:bodyPr/>
+          <a:lstStyle/>
+          <a:p>
+            <a:pPr marL="0" indent="0">
+              <a:spcBef>
+                <a:spcPts val="0"/>
+              </a:spcBef>
+              <a:buNone/>
+            </a:pPr>
+            <a:r>
+              <a:rPr lang="en-US" dirty="0" err="1"/>
+              <a:t>Hvis</a:t>
+            </a:r>
+            <a:r>
+              <a:rPr lang="en-US" dirty="0"/>
+              <a:t> du I din browser </a:t>
+            </a:r>
+            <a:r>
+              <a:rPr lang="en-US" dirty="0" err="1"/>
+              <a:t>skriver</a:t>
+            </a:r>
+            <a:r>
+              <a:rPr lang="en-US" dirty="0"/>
+              <a:t>:</a:t>
+            </a:r>
+          </a:p>
+          <a:p>
+            <a:pPr marL="0" indent="0">
+              <a:spcBef>
+                <a:spcPts val="0"/>
+              </a:spcBef>
+              <a:buNone/>
+            </a:pPr>
+            <a:endParaRPr lang="en-US" dirty="0"/>
+          </a:p>
+          <a:p>
+            <a:pPr marL="0" indent="0">
+              <a:spcBef>
+                <a:spcPts val="0"/>
+              </a:spcBef>
+              <a:buNone/>
+            </a:pPr>
+            <a:r>
+              <a:rPr lang="en-US" dirty="0">
+                <a:hlinkClick r:id="rId2"/>
+              </a:rPr>
+              <a:t>https://xkcd.com/1348/</a:t>
+            </a:r>
+            <a:endParaRPr lang="en-US" dirty="0"/>
+          </a:p>
+          <a:p>
+            <a:pPr marL="0" indent="0">
+              <a:spcBef>
+                <a:spcPts val="0"/>
+              </a:spcBef>
+              <a:buNone/>
+            </a:pPr>
+            <a:endParaRPr lang="en-US" dirty="0"/>
+          </a:p>
+          <a:p>
+            <a:pPr marL="0" indent="0">
+              <a:spcBef>
+                <a:spcPts val="0"/>
+              </a:spcBef>
+              <a:buNone/>
+            </a:pPr>
+            <a:r>
+              <a:rPr lang="en-US" dirty="0" err="1"/>
+              <a:t>Hvad</a:t>
+            </a:r>
+            <a:r>
+              <a:rPr lang="en-US" dirty="0"/>
+              <a:t> </a:t>
+            </a:r>
+            <a:r>
+              <a:rPr lang="en-US" dirty="0" err="1"/>
+              <a:t>betyder</a:t>
+            </a:r>
+            <a:r>
+              <a:rPr lang="en-US" dirty="0"/>
+              <a:t> </a:t>
+            </a:r>
+            <a:r>
+              <a:rPr lang="en-US" dirty="0" err="1"/>
+              <a:t>det</a:t>
+            </a:r>
+            <a:r>
+              <a:rPr lang="en-US" dirty="0"/>
+              <a:t> </a:t>
+            </a:r>
+            <a:r>
+              <a:rPr lang="en-US" dirty="0" err="1"/>
+              <a:t>egentligt</a:t>
+            </a:r>
+            <a:r>
+              <a:rPr lang="en-US" dirty="0"/>
+              <a:t>?</a:t>
+            </a:r>
+          </a:p>
+          <a:p>
+            <a:pPr marL="0" indent="0">
+              <a:spcBef>
+                <a:spcPts val="0"/>
+              </a:spcBef>
+              <a:buNone/>
+            </a:pPr>
+            <a:endParaRPr lang="en-US" dirty="0"/>
+          </a:p>
+          <a:p>
+            <a:pPr marL="0" indent="0">
+              <a:spcBef>
+                <a:spcPts val="0"/>
+              </a:spcBef>
+              <a:buNone/>
+            </a:pPr>
+            <a:r>
+              <a:rPr lang="en-US" dirty="0"/>
+              <a:t>((</a:t>
+            </a:r>
+            <a:r>
+              <a:rPr lang="en-US" dirty="0" err="1"/>
+              <a:t>Lav</a:t>
+            </a:r>
+            <a:r>
+              <a:rPr lang="en-US" dirty="0"/>
+              <a:t> </a:t>
+            </a:r>
+            <a:r>
+              <a:rPr lang="en-US" dirty="0" err="1"/>
+              <a:t>en</a:t>
+            </a:r>
+            <a:r>
+              <a:rPr lang="en-US" dirty="0"/>
+              <a:t> </a:t>
+            </a:r>
+            <a:r>
+              <a:rPr lang="en-US" dirty="0" err="1"/>
+              <a:t>tegning</a:t>
+            </a:r>
+            <a:r>
+              <a:rPr lang="en-US" dirty="0"/>
+              <a:t> </a:t>
+            </a:r>
+            <a:r>
+              <a:rPr lang="en-US" dirty="0" err="1"/>
+              <a:t>på</a:t>
+            </a:r>
+            <a:r>
+              <a:rPr lang="en-US" dirty="0"/>
+              <a:t> </a:t>
+            </a:r>
+            <a:r>
+              <a:rPr lang="en-US" dirty="0" err="1"/>
+              <a:t>tavle</a:t>
+            </a:r>
+            <a:r>
+              <a:rPr lang="en-US" dirty="0"/>
+              <a:t>))</a:t>
+            </a:r>
+          </a:p>
+          <a:p>
+            <a:pPr marL="0" indent="0">
+              <a:spcBef>
+                <a:spcPts val="0"/>
+              </a:spcBef>
+              <a:buNone/>
+            </a:pPr>
+            <a:endParaRPr lang="en-US" dirty="0"/>
+          </a:p>
+          <a:p>
+            <a:pPr marL="0" indent="0">
+              <a:spcBef>
+                <a:spcPts val="0"/>
+              </a:spcBef>
+              <a:buNone/>
+            </a:pPr>
+            <a:endParaRPr lang="en-US" dirty="0"/>
+          </a:p>
+          <a:p>
+            <a:pPr marL="0" indent="0">
+              <a:spcBef>
+                <a:spcPts val="0"/>
+              </a:spcBef>
+              <a:buNone/>
+            </a:pPr>
+            <a:r>
+              <a:rPr lang="en-US" dirty="0"/>
+              <a:t>Wikipedia</a:t>
+            </a:r>
+          </a:p>
+        </p:txBody>
+      </p:sp>
+    </p:spTree>
+    <p:extLst>
+      <p:ext uri="{BB962C8B-B14F-4D97-AF65-F5344CB8AC3E}">
+        <p14:creationId xmlns:p14="http://schemas.microsoft.com/office/powerpoint/2010/main" val="1713548999"/>
+      </p:ext>
+    </p:extLst>
+  </p:cSld>
+  <p:clrMapOvr>
+    <a:masterClrMapping/>
+  </p:clrMapOvr>
+</p:sld>
+</file>
+
+<file path=ppt/slides/slide4.xml><?xml version="1.0" encoding="utf-8"?>
+<p:sld xmlns:a="http://schemas.openxmlformats.org/drawingml/2006/main" xmlns:r="http://schemas.openxmlformats.org/officeDocument/2006/relationships" xmlns:p="http://schemas.openxmlformats.org/presentationml/2006/main">
+  <p:cSld>
+    <p:spTree>
+      <p:nvGrpSpPr>
+        <p:cNvPr id="1" name=""/>
+        <p:cNvGrpSpPr/>
+        <p:nvPr/>
+      </p:nvGrpSpPr>
+      <p:grpSpPr>
+        <a:xfrm>
+          <a:off x="0" y="0"/>
+          <a:ext cx="0" cy="0"/>
+          <a:chOff x="0" y="0"/>
+          <a:chExt cx="0" cy="0"/>
+        </a:xfrm>
+      </p:grpSpPr>
+      <p:sp>
+        <p:nvSpPr>
+          <p:cNvPr id="2" name="Text Placeholder 1">
+            <a:extLst>
+              <a:ext uri="{FF2B5EF4-FFF2-40B4-BE49-F238E27FC236}">
+                <a16:creationId xmlns:a16="http://schemas.microsoft.com/office/drawing/2014/main" id="{DB187C32-3E3C-DA45-A825-13C76D51677B}"/>
+              </a:ext>
+            </a:extLst>
+          </p:cNvPr>
+          <p:cNvSpPr>
+            <a:spLocks noGrp="1"/>
+          </p:cNvSpPr>
+          <p:nvPr>
+            <p:ph type="body" sz="quarter" idx="10"/>
+          </p:nvPr>
+        </p:nvSpPr>
+        <p:spPr/>
+        <p:txBody>
+          <a:bodyPr/>
+          <a:lstStyle/>
+          <a:p>
+            <a:r>
+              <a:rPr lang="da-DK" dirty="0"/>
+              <a:t>Demo af </a:t>
+            </a:r>
+            <a:r>
+              <a:rPr lang="da-DK" dirty="0" err="1"/>
+              <a:t>picoserver</a:t>
+            </a:r>
+            <a:r>
+              <a:rPr lang="da-DK" dirty="0"/>
+              <a:t> 2</a:t>
+            </a:r>
+          </a:p>
+        </p:txBody>
+      </p:sp>
+      <p:sp>
+        <p:nvSpPr>
+          <p:cNvPr id="3" name="Text Placeholder 2">
+            <a:extLst>
+              <a:ext uri="{FF2B5EF4-FFF2-40B4-BE49-F238E27FC236}">
+                <a16:creationId xmlns:a16="http://schemas.microsoft.com/office/drawing/2014/main" id="{AFB71D7A-259C-3E43-9987-BBC0D558485F}"/>
+              </a:ext>
+            </a:extLst>
+          </p:cNvPr>
+          <p:cNvSpPr>
+            <a:spLocks noGrp="1"/>
+          </p:cNvSpPr>
+          <p:nvPr>
+            <p:ph type="body" sz="quarter" idx="11"/>
+          </p:nvPr>
+        </p:nvSpPr>
+        <p:spPr/>
+        <p:txBody>
+          <a:bodyPr/>
+          <a:lstStyle/>
+          <a:p>
+            <a:pPr marL="0" indent="0">
+              <a:buNone/>
+            </a:pPr>
+            <a:r>
+              <a:rPr lang="da-DK" sz="1800" dirty="0"/>
+              <a:t>((Jon tegner og fortæller om de to eksempler))</a:t>
+            </a:r>
+          </a:p>
+          <a:p>
+            <a:pPr marL="0" indent="0">
+              <a:buNone/>
+            </a:pPr>
+            <a:endParaRPr lang="da-DK" sz="1800" dirty="0"/>
+          </a:p>
+          <a:p>
+            <a:pPr marL="0" indent="0">
+              <a:buNone/>
+            </a:pPr>
+            <a:r>
+              <a:rPr lang="da-DK" sz="1800" dirty="0"/>
+              <a:t>Centralt i internettet er </a:t>
+            </a:r>
+          </a:p>
+          <a:p>
+            <a:r>
+              <a:rPr lang="da-DK" sz="1800" dirty="0"/>
+              <a:t>Selve nettet, IP adresser, DNS, </a:t>
+            </a:r>
+            <a:r>
+              <a:rPr lang="da-DK" sz="1800" dirty="0" err="1"/>
+              <a:t>portnumre</a:t>
+            </a:r>
+            <a:endParaRPr lang="da-DK" sz="1800" dirty="0"/>
+          </a:p>
+          <a:p>
+            <a:r>
+              <a:rPr lang="da-DK" sz="1800" dirty="0"/>
+              <a:t>Protokoller (hvilken information der sendes, og formatet på denne)</a:t>
+            </a:r>
+          </a:p>
+          <a:p>
+            <a:endParaRPr lang="da-DK" sz="1800" dirty="0"/>
+          </a:p>
+          <a:p>
+            <a:pPr marL="0" indent="0">
+              <a:buNone/>
+            </a:pPr>
+            <a:r>
+              <a:rPr lang="da-DK" sz="1800" dirty="0"/>
+              <a:t>WWW bygger på to centrale standarder:</a:t>
+            </a:r>
+          </a:p>
+          <a:p>
+            <a:r>
+              <a:rPr lang="da-DK" sz="1800" dirty="0"/>
+              <a:t>HTTP – formatet på de beskeder der udveksles</a:t>
+            </a:r>
+          </a:p>
+          <a:p>
+            <a:r>
+              <a:rPr lang="da-DK" sz="1800" dirty="0"/>
+              <a:t>HTML – formatet på hvordan en hjemmeside beskrives</a:t>
+            </a:r>
+          </a:p>
+          <a:p>
+            <a:endParaRPr lang="da-DK" sz="1800" dirty="0"/>
+          </a:p>
+          <a:p>
+            <a:pPr marL="0" indent="0">
+              <a:buNone/>
+            </a:pPr>
+            <a:r>
+              <a:rPr lang="da-DK" sz="1800" dirty="0"/>
+              <a:t>Bemærk at HTTP bruges også til at sende billeder og  </a:t>
+            </a:r>
+          </a:p>
+        </p:txBody>
+      </p:sp>
+    </p:spTree>
+    <p:extLst>
+      <p:ext uri="{BB962C8B-B14F-4D97-AF65-F5344CB8AC3E}">
+        <p14:creationId xmlns:p14="http://schemas.microsoft.com/office/powerpoint/2010/main" val="2234453349"/>
+      </p:ext>
+    </p:extLst>
+  </p:cSld>
+  <p:clrMapOvr>
+    <a:masterClrMapping/>
+  </p:clrMapOvr>
+</p:sld>
+</file>
+
+<file path=ppt/slides/slide5.xml><?xml version="1.0" encoding="utf-8"?>
+<p:sld xmlns:a="http://schemas.openxmlformats.org/drawingml/2006/main" xmlns:r="http://schemas.openxmlformats.org/officeDocument/2006/relationships" xmlns:p="http://schemas.openxmlformats.org/presentationml/2006/main">
+  <p:cSld>
+    <p:spTree>
+      <p:nvGrpSpPr>
+        <p:cNvPr id="1" name=""/>
+        <p:cNvGrpSpPr/>
+        <p:nvPr/>
+      </p:nvGrpSpPr>
+      <p:grpSpPr>
+        <a:xfrm>
+          <a:off x="0" y="0"/>
+          <a:ext cx="0" cy="0"/>
+          <a:chOff x="0" y="0"/>
+          <a:chExt cx="0" cy="0"/>
+        </a:xfrm>
+      </p:grpSpPr>
+      <p:sp>
+        <p:nvSpPr>
+          <p:cNvPr id="2" name="Text Placeholder 1">
+            <a:extLst>
+              <a:ext uri="{FF2B5EF4-FFF2-40B4-BE49-F238E27FC236}">
                 <a16:creationId xmlns:a16="http://schemas.microsoft.com/office/drawing/2014/main" id="{5003D632-575B-1E41-8F80-0EA19D45848A}"/>
               </a:ext>
             </a:extLst>
@@ -2531,7 +3631,7 @@
 </p:sld>
 </file>
 
-<file path=ppt/slides/slide12.xml><?xml version="1.0" encoding="utf-8"?>
+<file path=ppt/slides/slide6.xml><?xml version="1.0" encoding="utf-8"?>
 <p:sld xmlns:a="http://schemas.openxmlformats.org/drawingml/2006/main" xmlns:r="http://schemas.openxmlformats.org/officeDocument/2006/relationships" xmlns:p="http://schemas.openxmlformats.org/presentationml/2006/main">
   <p:cSld>
     <p:spTree>
@@ -3255,2383 +4355,6 @@
 </p:sld>
 </file>
 
-<file path=ppt/slides/slide13.xml><?xml version="1.0" encoding="utf-8"?>
-<p:sld xmlns:a="http://schemas.openxmlformats.org/drawingml/2006/main" xmlns:r="http://schemas.openxmlformats.org/officeDocument/2006/relationships" xmlns:p="http://schemas.openxmlformats.org/presentationml/2006/main">
-  <p:cSld>
-    <p:spTree>
-      <p:nvGrpSpPr>
-        <p:cNvPr id="1" name=""/>
-        <p:cNvGrpSpPr/>
-        <p:nvPr/>
-      </p:nvGrpSpPr>
-      <p:grpSpPr>
-        <a:xfrm>
-          <a:off x="0" y="0"/>
-          <a:ext cx="0" cy="0"/>
-          <a:chOff x="0" y="0"/>
-          <a:chExt cx="0" cy="0"/>
-        </a:xfrm>
-      </p:grpSpPr>
-      <p:sp>
-        <p:nvSpPr>
-          <p:cNvPr id="2" name="Text Placeholder 1">
-            <a:extLst>
-              <a:ext uri="{FF2B5EF4-FFF2-40B4-BE49-F238E27FC236}">
-                <a16:creationId xmlns:a16="http://schemas.microsoft.com/office/drawing/2014/main" id="{98755EE8-993D-7A40-8DBD-7919C3437D2C}"/>
-              </a:ext>
-            </a:extLst>
-          </p:cNvPr>
-          <p:cNvSpPr>
-            <a:spLocks noGrp="1"/>
-          </p:cNvSpPr>
-          <p:nvPr>
-            <p:ph type="body" sz="quarter" idx="10"/>
-          </p:nvPr>
-        </p:nvSpPr>
-        <p:spPr/>
-        <p:txBody>
-          <a:bodyPr/>
-          <a:lstStyle/>
-          <a:p>
-            <a:r>
-              <a:rPr lang="da-DK" dirty="0" err="1"/>
-              <a:t>HTTPRequest</a:t>
-            </a:r>
-            <a:r>
-              <a:rPr lang="da-DK" dirty="0"/>
-              <a:t> klassen</a:t>
-            </a:r>
-          </a:p>
-        </p:txBody>
-      </p:sp>
-      <p:sp>
-        <p:nvSpPr>
-          <p:cNvPr id="3" name="Text Placeholder 2">
-            <a:extLst>
-              <a:ext uri="{FF2B5EF4-FFF2-40B4-BE49-F238E27FC236}">
-                <a16:creationId xmlns:a16="http://schemas.microsoft.com/office/drawing/2014/main" id="{F8016406-4F8B-7D4F-B84C-2001A45A0FE8}"/>
-              </a:ext>
-            </a:extLst>
-          </p:cNvPr>
-          <p:cNvSpPr>
-            <a:spLocks noGrp="1"/>
-          </p:cNvSpPr>
-          <p:nvPr>
-            <p:ph type="body" sz="quarter" idx="11"/>
-          </p:nvPr>
-        </p:nvSpPr>
-        <p:spPr/>
-        <p:txBody>
-          <a:bodyPr/>
-          <a:lstStyle/>
-          <a:p>
-            <a:pPr marL="0" indent="0">
-              <a:buNone/>
-            </a:pPr>
-            <a:r>
-              <a:rPr lang="da-DK" dirty="0"/>
-              <a:t>I det udleverede projekt er der en </a:t>
-            </a:r>
-            <a:r>
-              <a:rPr lang="da-DK" dirty="0" err="1"/>
-              <a:t>HTTPRequest</a:t>
-            </a:r>
-            <a:r>
-              <a:rPr lang="da-DK" dirty="0"/>
-              <a:t> klasse. </a:t>
-            </a:r>
-          </a:p>
-          <a:p>
-            <a:pPr marL="0" indent="0">
-              <a:buNone/>
-            </a:pPr>
-            <a:r>
-              <a:rPr lang="da-DK" dirty="0"/>
-              <a:t>picoserver03 viser hvordan den kan bruges.</a:t>
-            </a:r>
-          </a:p>
-          <a:p>
-            <a:pPr marL="0" indent="0">
-              <a:buNone/>
-            </a:pPr>
-            <a:endParaRPr lang="da-DK" dirty="0"/>
-          </a:p>
-          <a:p>
-            <a:pPr marL="0" indent="0">
-              <a:buNone/>
-            </a:pPr>
-            <a:endParaRPr lang="da-DK" dirty="0"/>
-          </a:p>
-        </p:txBody>
-      </p:sp>
-    </p:spTree>
-    <p:extLst>
-      <p:ext uri="{BB962C8B-B14F-4D97-AF65-F5344CB8AC3E}">
-        <p14:creationId xmlns:p14="http://schemas.microsoft.com/office/powerpoint/2010/main" val="373879312"/>
-      </p:ext>
-    </p:extLst>
-  </p:cSld>
-  <p:clrMapOvr>
-    <a:masterClrMapping/>
-  </p:clrMapOvr>
-</p:sld>
-</file>
-
-<file path=ppt/slides/slide14.xml><?xml version="1.0" encoding="utf-8"?>
-<p:sld xmlns:a="http://schemas.openxmlformats.org/drawingml/2006/main" xmlns:r="http://schemas.openxmlformats.org/officeDocument/2006/relationships" xmlns:p="http://schemas.openxmlformats.org/presentationml/2006/main">
-  <p:cSld>
-    <p:spTree>
-      <p:nvGrpSpPr>
-        <p:cNvPr id="1" name=""/>
-        <p:cNvGrpSpPr/>
-        <p:nvPr/>
-      </p:nvGrpSpPr>
-      <p:grpSpPr>
-        <a:xfrm>
-          <a:off x="0" y="0"/>
-          <a:ext cx="0" cy="0"/>
-          <a:chOff x="0" y="0"/>
-          <a:chExt cx="0" cy="0"/>
-        </a:xfrm>
-      </p:grpSpPr>
-      <p:sp>
-        <p:nvSpPr>
-          <p:cNvPr id="2" name="Text Placeholder 1">
-            <a:extLst>
-              <a:ext uri="{FF2B5EF4-FFF2-40B4-BE49-F238E27FC236}">
-                <a16:creationId xmlns:a16="http://schemas.microsoft.com/office/drawing/2014/main" id="{0C0441F7-BD1E-B04E-AB89-60D17F20B05C}"/>
-              </a:ext>
-            </a:extLst>
-          </p:cNvPr>
-          <p:cNvSpPr>
-            <a:spLocks noGrp="1"/>
-          </p:cNvSpPr>
-          <p:nvPr>
-            <p:ph type="body" sz="quarter" idx="10"/>
-          </p:nvPr>
-        </p:nvSpPr>
-        <p:spPr/>
-        <p:txBody>
-          <a:bodyPr/>
-          <a:lstStyle/>
-          <a:p>
-            <a:r>
-              <a:rPr lang="da-DK" dirty="0"/>
-              <a:t>OPGAVE</a:t>
-            </a:r>
-          </a:p>
-        </p:txBody>
-      </p:sp>
-      <p:sp>
-        <p:nvSpPr>
-          <p:cNvPr id="3" name="Text Placeholder 2">
-            <a:extLst>
-              <a:ext uri="{FF2B5EF4-FFF2-40B4-BE49-F238E27FC236}">
-                <a16:creationId xmlns:a16="http://schemas.microsoft.com/office/drawing/2014/main" id="{6FCF944D-03EB-EC41-B2DC-FE462FF9AB35}"/>
-              </a:ext>
-            </a:extLst>
-          </p:cNvPr>
-          <p:cNvSpPr>
-            <a:spLocks noGrp="1"/>
-          </p:cNvSpPr>
-          <p:nvPr>
-            <p:ph type="body" sz="quarter" idx="11"/>
-          </p:nvPr>
-        </p:nvSpPr>
-        <p:spPr/>
-        <p:txBody>
-          <a:bodyPr/>
-          <a:lstStyle/>
-          <a:p>
-            <a:pPr marL="0" indent="0">
-              <a:buNone/>
-            </a:pPr>
-            <a:r>
-              <a:rPr lang="da-DK" dirty="0"/>
-              <a:t>Kør </a:t>
-            </a:r>
-            <a:r>
-              <a:rPr lang="da-DK" dirty="0" err="1"/>
-              <a:t>picoserver</a:t>
-            </a:r>
-            <a:r>
-              <a:rPr lang="da-DK" dirty="0"/>
-              <a:t> og kald serveren sådan at:</a:t>
-            </a:r>
-          </a:p>
-          <a:p>
-            <a:pPr marL="514350" indent="-514350">
-              <a:buFont typeface="+mj-lt"/>
-              <a:buAutoNum type="arabicPeriod"/>
-            </a:pPr>
-            <a:r>
-              <a:rPr lang="da-DK" dirty="0"/>
-              <a:t>Stien bliver ”/shop/</a:t>
-            </a:r>
-            <a:r>
-              <a:rPr lang="da-DK" dirty="0" err="1"/>
-              <a:t>lamborgini.html</a:t>
-            </a:r>
-            <a:r>
-              <a:rPr lang="da-DK" dirty="0"/>
-              <a:t>”</a:t>
-            </a:r>
-          </a:p>
-          <a:p>
-            <a:pPr marL="514350" indent="-514350">
-              <a:buFont typeface="+mj-lt"/>
-              <a:buAutoNum type="arabicPeriod"/>
-            </a:pPr>
-            <a:r>
-              <a:rPr lang="da-DK" dirty="0"/>
-              <a:t>Stien bliver ”</a:t>
-            </a:r>
-            <a:r>
-              <a:rPr lang="da-DK" dirty="0" err="1"/>
-              <a:t>index.html</a:t>
-            </a:r>
-            <a:r>
-              <a:rPr lang="da-DK" dirty="0"/>
-              <a:t>” (hvorfor kan denne ikke lade sig gøre?)</a:t>
-            </a:r>
-          </a:p>
-          <a:p>
-            <a:pPr marL="514350" indent="-514350">
-              <a:buFont typeface="+mj-lt"/>
-              <a:buAutoNum type="arabicPeriod"/>
-            </a:pPr>
-            <a:r>
-              <a:rPr lang="da-DK" dirty="0"/>
-              <a:t>Der kommer parameter:</a:t>
-            </a:r>
-          </a:p>
-          <a:p>
-            <a:pPr marL="949124" lvl="1" indent="-514350">
-              <a:buFont typeface="+mj-lt"/>
-              <a:buAutoNum type="arabicPeriod"/>
-            </a:pPr>
-            <a:r>
-              <a:rPr lang="da-DK" dirty="0"/>
-              <a:t>Hedder ”</a:t>
-            </a:r>
-            <a:r>
-              <a:rPr lang="da-DK" dirty="0" err="1"/>
-              <a:t>price</a:t>
-            </a:r>
-            <a:r>
-              <a:rPr lang="da-DK" dirty="0"/>
-              <a:t>” og har værdi ”</a:t>
-            </a:r>
-            <a:r>
-              <a:rPr lang="da-DK" dirty="0" err="1"/>
-              <a:t>waytomuch</a:t>
-            </a:r>
-            <a:r>
-              <a:rPr lang="da-DK" dirty="0"/>
-              <a:t>”</a:t>
-            </a:r>
-          </a:p>
-          <a:p>
-            <a:pPr marL="949124" lvl="1" indent="-514350">
-              <a:buFont typeface="+mj-lt"/>
-              <a:buAutoNum type="arabicPeriod"/>
-            </a:pPr>
-            <a:r>
-              <a:rPr lang="da-DK" dirty="0"/>
-              <a:t>To parametre: ”</a:t>
-            </a:r>
-            <a:r>
-              <a:rPr lang="da-DK" dirty="0" err="1"/>
-              <a:t>name</a:t>
-            </a:r>
-            <a:r>
-              <a:rPr lang="da-DK" dirty="0"/>
-              <a:t>” med værdi ”Larsen”, og ”country” med værdi ”Jylland”.</a:t>
-            </a:r>
-          </a:p>
-          <a:p>
-            <a:pPr marL="949124" lvl="1" indent="-514350">
-              <a:buFont typeface="+mj-lt"/>
-              <a:buAutoNum type="arabicPeriod"/>
-            </a:pPr>
-            <a:r>
-              <a:rPr lang="da-DK" dirty="0"/>
-              <a:t>En parameter der hedder ”city” med værdi: ”Solrød”</a:t>
-            </a:r>
-          </a:p>
-          <a:p>
-            <a:pPr marL="514350" indent="-514350">
-              <a:buFont typeface="+mj-lt"/>
-              <a:buAutoNum type="arabicPeriod"/>
-            </a:pPr>
-            <a:r>
-              <a:rPr lang="da-DK" dirty="0"/>
-              <a:t>Kan du ændre så der kommer noget andet i </a:t>
-            </a:r>
-            <a:r>
-              <a:rPr lang="da-DK" dirty="0" err="1"/>
-              <a:t>headeren</a:t>
-            </a:r>
-            <a:r>
-              <a:rPr lang="da-DK" dirty="0"/>
-              <a:t> ”User-Agent”?</a:t>
-            </a:r>
-          </a:p>
-          <a:p>
-            <a:pPr marL="514350" indent="-514350">
-              <a:buFont typeface="+mj-lt"/>
-              <a:buAutoNum type="arabicPeriod"/>
-            </a:pPr>
-            <a:endParaRPr lang="da-DK" dirty="0"/>
-          </a:p>
-        </p:txBody>
-      </p:sp>
-    </p:spTree>
-    <p:extLst>
-      <p:ext uri="{BB962C8B-B14F-4D97-AF65-F5344CB8AC3E}">
-        <p14:creationId xmlns:p14="http://schemas.microsoft.com/office/powerpoint/2010/main" val="820680342"/>
-      </p:ext>
-    </p:extLst>
-  </p:cSld>
-  <p:clrMapOvr>
-    <a:masterClrMapping/>
-  </p:clrMapOvr>
-</p:sld>
-</file>
-
-<file path=ppt/slides/slide15.xml><?xml version="1.0" encoding="utf-8"?>
-<p:sld xmlns:a="http://schemas.openxmlformats.org/drawingml/2006/main" xmlns:r="http://schemas.openxmlformats.org/officeDocument/2006/relationships" xmlns:p="http://schemas.openxmlformats.org/presentationml/2006/main">
-  <p:cSld>
-    <p:spTree>
-      <p:nvGrpSpPr>
-        <p:cNvPr id="1" name=""/>
-        <p:cNvGrpSpPr/>
-        <p:nvPr/>
-      </p:nvGrpSpPr>
-      <p:grpSpPr>
-        <a:xfrm>
-          <a:off x="0" y="0"/>
-          <a:ext cx="0" cy="0"/>
-          <a:chOff x="0" y="0"/>
-          <a:chExt cx="0" cy="0"/>
-        </a:xfrm>
-      </p:grpSpPr>
-      <p:sp>
-        <p:nvSpPr>
-          <p:cNvPr id="2" name="Text Placeholder 1">
-            <a:extLst>
-              <a:ext uri="{FF2B5EF4-FFF2-40B4-BE49-F238E27FC236}">
-                <a16:creationId xmlns:a16="http://schemas.microsoft.com/office/drawing/2014/main" id="{C4E0190B-EA90-1F47-A063-170A38F09816}"/>
-              </a:ext>
-            </a:extLst>
-          </p:cNvPr>
-          <p:cNvSpPr>
-            <a:spLocks noGrp="1"/>
-          </p:cNvSpPr>
-          <p:nvPr>
-            <p:ph type="body" sz="quarter" idx="10"/>
-          </p:nvPr>
-        </p:nvSpPr>
-        <p:spPr/>
-        <p:txBody>
-          <a:bodyPr/>
-          <a:lstStyle/>
-          <a:p>
-            <a:r>
-              <a:rPr lang="da-DK" dirty="0"/>
-              <a:t>Statiske hjemmesider</a:t>
-            </a:r>
-          </a:p>
-        </p:txBody>
-      </p:sp>
-      <p:sp>
-        <p:nvSpPr>
-          <p:cNvPr id="3" name="Text Placeholder 2">
-            <a:extLst>
-              <a:ext uri="{FF2B5EF4-FFF2-40B4-BE49-F238E27FC236}">
-                <a16:creationId xmlns:a16="http://schemas.microsoft.com/office/drawing/2014/main" id="{6C0107C5-74BA-9747-946C-CF5517020516}"/>
-              </a:ext>
-            </a:extLst>
-          </p:cNvPr>
-          <p:cNvSpPr>
-            <a:spLocks noGrp="1"/>
-          </p:cNvSpPr>
-          <p:nvPr>
-            <p:ph type="body" sz="quarter" idx="11"/>
-          </p:nvPr>
-        </p:nvSpPr>
-        <p:spPr/>
-        <p:txBody>
-          <a:bodyPr/>
-          <a:lstStyle/>
-          <a:p>
-            <a:pPr marL="0" indent="0">
-              <a:buNone/>
-            </a:pPr>
-            <a:r>
-              <a:rPr lang="da-DK" dirty="0"/>
-              <a:t>Stien i et </a:t>
-            </a:r>
-            <a:r>
-              <a:rPr lang="da-DK" dirty="0" err="1"/>
-              <a:t>request</a:t>
-            </a:r>
-            <a:r>
-              <a:rPr lang="da-DK" dirty="0"/>
-              <a:t> har formen som en almindelig fil sti.</a:t>
-            </a:r>
-          </a:p>
-          <a:p>
-            <a:pPr marL="0" indent="0">
-              <a:buNone/>
-            </a:pPr>
-            <a:r>
-              <a:rPr lang="da-DK" dirty="0"/>
-              <a:t>En central opgave for webservere er at kunne returnere statiske hjemmesider.</a:t>
-            </a:r>
-          </a:p>
-          <a:p>
-            <a:pPr marL="0" indent="0">
-              <a:buNone/>
-            </a:pPr>
-            <a:endParaRPr lang="da-DK" dirty="0"/>
-          </a:p>
-          <a:p>
-            <a:pPr marL="0" indent="0">
-              <a:buNone/>
-            </a:pPr>
-            <a:r>
-              <a:rPr lang="da-DK" dirty="0"/>
-              <a:t>(( Gennemgå picoserver04 ))</a:t>
-            </a:r>
-          </a:p>
-          <a:p>
-            <a:pPr marL="0" indent="0">
-              <a:buNone/>
-            </a:pPr>
-            <a:endParaRPr lang="da-DK" dirty="0"/>
-          </a:p>
-          <a:p>
-            <a:pPr marL="0" indent="0">
-              <a:buNone/>
-            </a:pPr>
-            <a:endParaRPr lang="da-DK" dirty="0"/>
-          </a:p>
-        </p:txBody>
-      </p:sp>
-    </p:spTree>
-    <p:extLst>
-      <p:ext uri="{BB962C8B-B14F-4D97-AF65-F5344CB8AC3E}">
-        <p14:creationId xmlns:p14="http://schemas.microsoft.com/office/powerpoint/2010/main" val="3800704658"/>
-      </p:ext>
-    </p:extLst>
-  </p:cSld>
-  <p:clrMapOvr>
-    <a:masterClrMapping/>
-  </p:clrMapOvr>
-</p:sld>
-</file>
-
-<file path=ppt/slides/slide16.xml><?xml version="1.0" encoding="utf-8"?>
-<p:sld xmlns:a="http://schemas.openxmlformats.org/drawingml/2006/main" xmlns:r="http://schemas.openxmlformats.org/officeDocument/2006/relationships" xmlns:p="http://schemas.openxmlformats.org/presentationml/2006/main">
-  <p:cSld>
-    <p:spTree>
-      <p:nvGrpSpPr>
-        <p:cNvPr id="1" name=""/>
-        <p:cNvGrpSpPr/>
-        <p:nvPr/>
-      </p:nvGrpSpPr>
-      <p:grpSpPr>
-        <a:xfrm>
-          <a:off x="0" y="0"/>
-          <a:ext cx="0" cy="0"/>
-          <a:chOff x="0" y="0"/>
-          <a:chExt cx="0" cy="0"/>
-        </a:xfrm>
-      </p:grpSpPr>
-      <p:sp>
-        <p:nvSpPr>
-          <p:cNvPr id="2" name="Text Placeholder 1">
-            <a:extLst>
-              <a:ext uri="{FF2B5EF4-FFF2-40B4-BE49-F238E27FC236}">
-                <a16:creationId xmlns:a16="http://schemas.microsoft.com/office/drawing/2014/main" id="{8486FF14-D5DE-E541-8F21-6BA8881C7A3B}"/>
-              </a:ext>
-            </a:extLst>
-          </p:cNvPr>
-          <p:cNvSpPr>
-            <a:spLocks noGrp="1"/>
-          </p:cNvSpPr>
-          <p:nvPr>
-            <p:ph type="body" sz="quarter" idx="10"/>
-          </p:nvPr>
-        </p:nvSpPr>
-        <p:spPr/>
-        <p:txBody>
-          <a:bodyPr/>
-          <a:lstStyle/>
-          <a:p>
-            <a:r>
-              <a:rPr lang="da-DK" dirty="0"/>
-              <a:t>Oversætte og køre et </a:t>
-            </a:r>
-            <a:r>
-              <a:rPr lang="da-DK" dirty="0" err="1"/>
-              <a:t>java</a:t>
-            </a:r>
-            <a:r>
-              <a:rPr lang="da-DK" dirty="0"/>
-              <a:t> program</a:t>
-            </a:r>
-          </a:p>
-        </p:txBody>
-      </p:sp>
-      <p:sp>
-        <p:nvSpPr>
-          <p:cNvPr id="3" name="Text Placeholder 2">
-            <a:extLst>
-              <a:ext uri="{FF2B5EF4-FFF2-40B4-BE49-F238E27FC236}">
-                <a16:creationId xmlns:a16="http://schemas.microsoft.com/office/drawing/2014/main" id="{3F7B82FF-DB30-094D-93BA-8C805FA2D57A}"/>
-              </a:ext>
-            </a:extLst>
-          </p:cNvPr>
-          <p:cNvSpPr>
-            <a:spLocks noGrp="1"/>
-          </p:cNvSpPr>
-          <p:nvPr>
-            <p:ph type="body" sz="quarter" idx="11"/>
-          </p:nvPr>
-        </p:nvSpPr>
-        <p:spPr/>
-        <p:txBody>
-          <a:bodyPr/>
-          <a:lstStyle/>
-          <a:p>
-            <a:r>
-              <a:rPr lang="da-DK" dirty="0"/>
-              <a:t>Source og </a:t>
-            </a:r>
-            <a:r>
-              <a:rPr lang="da-DK" dirty="0" err="1"/>
-              <a:t>target</a:t>
-            </a:r>
-            <a:r>
-              <a:rPr lang="da-DK" dirty="0"/>
-              <a:t> </a:t>
-            </a:r>
-            <a:r>
-              <a:rPr lang="da-DK" dirty="0" err="1"/>
-              <a:t>directories</a:t>
-            </a:r>
-            <a:endParaRPr lang="da-DK" dirty="0"/>
-          </a:p>
-          <a:p>
-            <a:pPr lvl="1"/>
-            <a:r>
-              <a:rPr lang="da-DK" dirty="0"/>
-              <a:t>(( Project &amp; File </a:t>
-            </a:r>
-            <a:r>
-              <a:rPr lang="da-DK" dirty="0" err="1"/>
-              <a:t>windows</a:t>
-            </a:r>
-            <a:r>
-              <a:rPr lang="da-DK" dirty="0"/>
-              <a:t> in </a:t>
-            </a:r>
-            <a:r>
-              <a:rPr lang="da-DK" dirty="0" err="1"/>
-              <a:t>IntelliJ</a:t>
-            </a:r>
-            <a:r>
-              <a:rPr lang="da-DK" dirty="0"/>
-              <a:t> ))</a:t>
-            </a:r>
-          </a:p>
-          <a:p>
-            <a:r>
-              <a:rPr lang="da-DK" dirty="0"/>
-              <a:t>Ressourcer</a:t>
-            </a:r>
-          </a:p>
-          <a:p>
-            <a:pPr lvl="1"/>
-            <a:r>
-              <a:rPr lang="da-DK" dirty="0"/>
-              <a:t>Billeder, database konfigurationer, - og her – hjemmesider.</a:t>
-            </a:r>
-          </a:p>
-          <a:p>
-            <a:pPr marL="496885" lvl="1" indent="0">
-              <a:buNone/>
-            </a:pPr>
-            <a:endParaRPr lang="da-DK" dirty="0"/>
-          </a:p>
-          <a:p>
-            <a:pPr marL="62111" indent="0">
-              <a:buNone/>
-            </a:pPr>
-            <a:r>
-              <a:rPr lang="da-DK" dirty="0"/>
-              <a:t>Undgå at fastlåse sig på et specifikt sted på harddisken.</a:t>
-            </a:r>
-          </a:p>
-          <a:p>
-            <a:pPr marL="62111" indent="0">
-              <a:buNone/>
-            </a:pPr>
-            <a:endParaRPr lang="da-DK" dirty="0"/>
-          </a:p>
-          <a:p>
-            <a:pPr marL="62111" indent="0">
-              <a:buNone/>
-            </a:pPr>
-            <a:endParaRPr lang="da-DK" dirty="0"/>
-          </a:p>
-          <a:p>
-            <a:endParaRPr lang="da-DK" dirty="0"/>
-          </a:p>
-          <a:p>
-            <a:pPr marL="0" indent="0">
-              <a:buNone/>
-            </a:pPr>
-            <a:endParaRPr lang="da-DK" dirty="0"/>
-          </a:p>
-        </p:txBody>
-      </p:sp>
-    </p:spTree>
-    <p:extLst>
-      <p:ext uri="{BB962C8B-B14F-4D97-AF65-F5344CB8AC3E}">
-        <p14:creationId xmlns:p14="http://schemas.microsoft.com/office/powerpoint/2010/main" val="2746240426"/>
-      </p:ext>
-    </p:extLst>
-  </p:cSld>
-  <p:clrMapOvr>
-    <a:masterClrMapping/>
-  </p:clrMapOvr>
-</p:sld>
-</file>
-
-<file path=ppt/slides/slide17.xml><?xml version="1.0" encoding="utf-8"?>
-<p:sld xmlns:a="http://schemas.openxmlformats.org/drawingml/2006/main" xmlns:r="http://schemas.openxmlformats.org/officeDocument/2006/relationships" xmlns:p="http://schemas.openxmlformats.org/presentationml/2006/main">
-  <p:cSld>
-    <p:spTree>
-      <p:nvGrpSpPr>
-        <p:cNvPr id="1" name=""/>
-        <p:cNvGrpSpPr/>
-        <p:nvPr/>
-      </p:nvGrpSpPr>
-      <p:grpSpPr>
-        <a:xfrm>
-          <a:off x="0" y="0"/>
-          <a:ext cx="0" cy="0"/>
-          <a:chOff x="0" y="0"/>
-          <a:chExt cx="0" cy="0"/>
-        </a:xfrm>
-      </p:grpSpPr>
-      <p:sp>
-        <p:nvSpPr>
-          <p:cNvPr id="2" name="Text Placeholder 1">
-            <a:extLst>
-              <a:ext uri="{FF2B5EF4-FFF2-40B4-BE49-F238E27FC236}">
-                <a16:creationId xmlns:a16="http://schemas.microsoft.com/office/drawing/2014/main" id="{6D26B72D-FFCF-0048-BB26-CE00456D5816}"/>
-              </a:ext>
-            </a:extLst>
-          </p:cNvPr>
-          <p:cNvSpPr>
-            <a:spLocks noGrp="1"/>
-          </p:cNvSpPr>
-          <p:nvPr>
-            <p:ph type="body" sz="quarter" idx="10"/>
-          </p:nvPr>
-        </p:nvSpPr>
-        <p:spPr/>
-        <p:txBody>
-          <a:bodyPr/>
-          <a:lstStyle/>
-          <a:p>
-            <a:r>
-              <a:rPr lang="da-DK" dirty="0"/>
-              <a:t>Opgave</a:t>
-            </a:r>
-          </a:p>
-        </p:txBody>
-      </p:sp>
-      <p:sp>
-        <p:nvSpPr>
-          <p:cNvPr id="3" name="Text Placeholder 2">
-            <a:extLst>
-              <a:ext uri="{FF2B5EF4-FFF2-40B4-BE49-F238E27FC236}">
-                <a16:creationId xmlns:a16="http://schemas.microsoft.com/office/drawing/2014/main" id="{3CD23941-5087-5D48-93F5-283C313DE14A}"/>
-              </a:ext>
-            </a:extLst>
-          </p:cNvPr>
-          <p:cNvSpPr>
-            <a:spLocks noGrp="1"/>
-          </p:cNvSpPr>
-          <p:nvPr>
-            <p:ph type="body" sz="quarter" idx="11"/>
-          </p:nvPr>
-        </p:nvSpPr>
-        <p:spPr/>
-        <p:txBody>
-          <a:bodyPr/>
-          <a:lstStyle/>
-          <a:p>
-            <a:r>
-              <a:rPr lang="da-DK" dirty="0"/>
-              <a:t>Lav to simple hjemmesider og få jeres server til at kunne returnere dem.</a:t>
-            </a:r>
-          </a:p>
-        </p:txBody>
-      </p:sp>
-    </p:spTree>
-    <p:extLst>
-      <p:ext uri="{BB962C8B-B14F-4D97-AF65-F5344CB8AC3E}">
-        <p14:creationId xmlns:p14="http://schemas.microsoft.com/office/powerpoint/2010/main" val="1662892106"/>
-      </p:ext>
-    </p:extLst>
-  </p:cSld>
-  <p:clrMapOvr>
-    <a:masterClrMapping/>
-  </p:clrMapOvr>
-</p:sld>
-</file>
-
-<file path=ppt/slides/slide18.xml><?xml version="1.0" encoding="utf-8"?>
-<p:sld xmlns:a="http://schemas.openxmlformats.org/drawingml/2006/main" xmlns:r="http://schemas.openxmlformats.org/officeDocument/2006/relationships" xmlns:p="http://schemas.openxmlformats.org/presentationml/2006/main">
-  <p:cSld>
-    <p:spTree>
-      <p:nvGrpSpPr>
-        <p:cNvPr id="1" name=""/>
-        <p:cNvGrpSpPr/>
-        <p:nvPr/>
-      </p:nvGrpSpPr>
-      <p:grpSpPr>
-        <a:xfrm>
-          <a:off x="0" y="0"/>
-          <a:ext cx="0" cy="0"/>
-          <a:chOff x="0" y="0"/>
-          <a:chExt cx="0" cy="0"/>
-        </a:xfrm>
-      </p:grpSpPr>
-      <p:sp>
-        <p:nvSpPr>
-          <p:cNvPr id="2" name="Text Placeholder 1">
-            <a:extLst>
-              <a:ext uri="{FF2B5EF4-FFF2-40B4-BE49-F238E27FC236}">
-                <a16:creationId xmlns:a16="http://schemas.microsoft.com/office/drawing/2014/main" id="{13BAA585-13D6-2E45-BFAA-A94EBA481D38}"/>
-              </a:ext>
-            </a:extLst>
-          </p:cNvPr>
-          <p:cNvSpPr>
-            <a:spLocks noGrp="1"/>
-          </p:cNvSpPr>
-          <p:nvPr>
-            <p:ph type="body" sz="quarter" idx="10"/>
-          </p:nvPr>
-        </p:nvSpPr>
-        <p:spPr/>
-        <p:txBody>
-          <a:bodyPr/>
-          <a:lstStyle/>
-          <a:p>
-            <a:r>
-              <a:rPr lang="da-DK" dirty="0"/>
-              <a:t>Statiske og dynamiske sider</a:t>
-            </a:r>
-          </a:p>
-        </p:txBody>
-      </p:sp>
-      <p:sp>
-        <p:nvSpPr>
-          <p:cNvPr id="3" name="Text Placeholder 2">
-            <a:extLst>
-              <a:ext uri="{FF2B5EF4-FFF2-40B4-BE49-F238E27FC236}">
-                <a16:creationId xmlns:a16="http://schemas.microsoft.com/office/drawing/2014/main" id="{3FCE52D2-744C-844A-A9A7-A77A9488DF8C}"/>
-              </a:ext>
-            </a:extLst>
-          </p:cNvPr>
-          <p:cNvSpPr>
-            <a:spLocks noGrp="1"/>
-          </p:cNvSpPr>
-          <p:nvPr>
-            <p:ph type="body" sz="quarter" idx="11"/>
-          </p:nvPr>
-        </p:nvSpPr>
-        <p:spPr/>
-        <p:txBody>
-          <a:bodyPr/>
-          <a:lstStyle/>
-          <a:p>
-            <a:r>
-              <a:rPr lang="da-DK" dirty="0"/>
-              <a:t>(( gennemgå picoserver06 ))</a:t>
-            </a:r>
-          </a:p>
-          <a:p>
-            <a:r>
-              <a:rPr lang="da-DK" dirty="0"/>
-              <a:t>Tre centrale dele</a:t>
-            </a:r>
-          </a:p>
-          <a:p>
-            <a:pPr lvl="1"/>
-            <a:r>
-              <a:rPr lang="da-DK" dirty="0"/>
-              <a:t>Fejl håndtering</a:t>
-            </a:r>
-          </a:p>
-          <a:p>
-            <a:pPr lvl="1"/>
-            <a:r>
-              <a:rPr lang="da-DK" dirty="0"/>
-              <a:t>Statiske sider genkendt ud fra ”.html” / ”.</a:t>
-            </a:r>
-            <a:r>
-              <a:rPr lang="da-DK" dirty="0" err="1"/>
-              <a:t>txt</a:t>
-            </a:r>
-            <a:r>
-              <a:rPr lang="da-DK" dirty="0"/>
-              <a:t>”</a:t>
-            </a:r>
-          </a:p>
-          <a:p>
-            <a:pPr lvl="1"/>
-            <a:r>
-              <a:rPr lang="da-DK" dirty="0"/>
-              <a:t>Dynamiske sider kodet</a:t>
-            </a:r>
-          </a:p>
-        </p:txBody>
-      </p:sp>
-    </p:spTree>
-    <p:extLst>
-      <p:ext uri="{BB962C8B-B14F-4D97-AF65-F5344CB8AC3E}">
-        <p14:creationId xmlns:p14="http://schemas.microsoft.com/office/powerpoint/2010/main" val="2344336598"/>
-      </p:ext>
-    </p:extLst>
-  </p:cSld>
-  <p:clrMapOvr>
-    <a:masterClrMapping/>
-  </p:clrMapOvr>
-</p:sld>
-</file>
-
-<file path=ppt/slides/slide19.xml><?xml version="1.0" encoding="utf-8"?>
-<p:sld xmlns:a="http://schemas.openxmlformats.org/drawingml/2006/main" xmlns:r="http://schemas.openxmlformats.org/officeDocument/2006/relationships" xmlns:p="http://schemas.openxmlformats.org/presentationml/2006/main">
-  <p:cSld>
-    <p:spTree>
-      <p:nvGrpSpPr>
-        <p:cNvPr id="1" name=""/>
-        <p:cNvGrpSpPr/>
-        <p:nvPr/>
-      </p:nvGrpSpPr>
-      <p:grpSpPr>
-        <a:xfrm>
-          <a:off x="0" y="0"/>
-          <a:ext cx="0" cy="0"/>
-          <a:chOff x="0" y="0"/>
-          <a:chExt cx="0" cy="0"/>
-        </a:xfrm>
-      </p:grpSpPr>
-      <p:sp>
-        <p:nvSpPr>
-          <p:cNvPr id="2" name="Text Placeholder 1">
-            <a:extLst>
-              <a:ext uri="{FF2B5EF4-FFF2-40B4-BE49-F238E27FC236}">
-                <a16:creationId xmlns:a16="http://schemas.microsoft.com/office/drawing/2014/main" id="{CCD4F27A-B509-5B46-8FBC-224A49443234}"/>
-              </a:ext>
-            </a:extLst>
-          </p:cNvPr>
-          <p:cNvSpPr>
-            <a:spLocks noGrp="1"/>
-          </p:cNvSpPr>
-          <p:nvPr>
-            <p:ph type="body" sz="quarter" idx="10"/>
-          </p:nvPr>
-        </p:nvSpPr>
-        <p:spPr/>
-        <p:txBody>
-          <a:bodyPr/>
-          <a:lstStyle/>
-          <a:p>
-            <a:r>
-              <a:rPr lang="da-DK" dirty="0"/>
-              <a:t>Opgave</a:t>
-            </a:r>
-          </a:p>
-        </p:txBody>
-      </p:sp>
-      <p:sp>
-        <p:nvSpPr>
-          <p:cNvPr id="3" name="Text Placeholder 2">
-            <a:extLst>
-              <a:ext uri="{FF2B5EF4-FFF2-40B4-BE49-F238E27FC236}">
-                <a16:creationId xmlns:a16="http://schemas.microsoft.com/office/drawing/2014/main" id="{8F233D14-1FFD-6847-8040-ED8DA2C012FA}"/>
-              </a:ext>
-            </a:extLst>
-          </p:cNvPr>
-          <p:cNvSpPr>
-            <a:spLocks noGrp="1"/>
-          </p:cNvSpPr>
-          <p:nvPr>
-            <p:ph type="body" sz="quarter" idx="11"/>
-          </p:nvPr>
-        </p:nvSpPr>
-        <p:spPr/>
-        <p:txBody>
-          <a:bodyPr/>
-          <a:lstStyle/>
-          <a:p>
-            <a:r>
-              <a:rPr lang="da-DK" dirty="0"/>
-              <a:t>Få picoserver06 til at køre</a:t>
-            </a:r>
-          </a:p>
-          <a:p>
-            <a:r>
-              <a:rPr lang="da-DK" dirty="0"/>
-              <a:t>kald </a:t>
-            </a:r>
-            <a:r>
-              <a:rPr lang="da-DK" dirty="0" err="1"/>
-              <a:t>addnumbers</a:t>
-            </a:r>
-            <a:r>
-              <a:rPr lang="da-DK" dirty="0"/>
-              <a:t> fra to forskellige browsere</a:t>
-            </a:r>
-          </a:p>
-          <a:p>
-            <a:r>
-              <a:rPr lang="da-DK" dirty="0"/>
-              <a:t>Få picoserver06 til at give en fejlmeddelelse</a:t>
-            </a:r>
-          </a:p>
-          <a:p>
-            <a:r>
-              <a:rPr lang="da-DK" dirty="0"/>
-              <a:t>Prøv den på den ene af de to filer vi lavede før</a:t>
-            </a:r>
-          </a:p>
-        </p:txBody>
-      </p:sp>
-    </p:spTree>
-    <p:extLst>
-      <p:ext uri="{BB962C8B-B14F-4D97-AF65-F5344CB8AC3E}">
-        <p14:creationId xmlns:p14="http://schemas.microsoft.com/office/powerpoint/2010/main" val="2183876998"/>
-      </p:ext>
-    </p:extLst>
-  </p:cSld>
-  <p:clrMapOvr>
-    <a:masterClrMapping/>
-  </p:clrMapOvr>
-</p:sld>
-</file>
-
-<file path=ppt/slides/slide2.xml><?xml version="1.0" encoding="utf-8"?>
-<p:sld xmlns:a="http://schemas.openxmlformats.org/drawingml/2006/main" xmlns:r="http://schemas.openxmlformats.org/officeDocument/2006/relationships" xmlns:p="http://schemas.openxmlformats.org/presentationml/2006/main">
-  <p:cSld>
-    <p:spTree>
-      <p:nvGrpSpPr>
-        <p:cNvPr id="1" name=""/>
-        <p:cNvGrpSpPr/>
-        <p:nvPr/>
-      </p:nvGrpSpPr>
-      <p:grpSpPr>
-        <a:xfrm>
-          <a:off x="0" y="0"/>
-          <a:ext cx="0" cy="0"/>
-          <a:chOff x="0" y="0"/>
-          <a:chExt cx="0" cy="0"/>
-        </a:xfrm>
-      </p:grpSpPr>
-      <p:sp>
-        <p:nvSpPr>
-          <p:cNvPr id="2" name="Title 1"/>
-          <p:cNvSpPr>
-            <a:spLocks noGrp="1"/>
-          </p:cNvSpPr>
-          <p:nvPr>
-            <p:ph type="title"/>
-          </p:nvPr>
-        </p:nvSpPr>
-        <p:spPr>
-          <a:xfrm>
-            <a:off x="683330" y="396736"/>
-            <a:ext cx="8572679" cy="744241"/>
-          </a:xfrm>
-        </p:spPr>
-        <p:txBody>
-          <a:bodyPr/>
-          <a:lstStyle/>
-          <a:p>
-            <a:r>
-              <a:rPr lang="en-US" err="1"/>
-              <a:t>Dagens</a:t>
-            </a:r>
-            <a:r>
-              <a:rPr lang="en-US"/>
-              <a:t> plan</a:t>
-            </a:r>
-          </a:p>
-        </p:txBody>
-      </p:sp>
-      <p:sp>
-        <p:nvSpPr>
-          <p:cNvPr id="3" name="Content Placeholder 2"/>
-          <p:cNvSpPr>
-            <a:spLocks noGrp="1"/>
-          </p:cNvSpPr>
-          <p:nvPr>
-            <p:ph idx="1"/>
-          </p:nvPr>
-        </p:nvSpPr>
-        <p:spPr>
-          <a:xfrm>
-            <a:off x="683330" y="1084333"/>
-            <a:ext cx="8572679" cy="5627395"/>
-          </a:xfrm>
-        </p:spPr>
-        <p:txBody>
-          <a:bodyPr/>
-          <a:lstStyle/>
-          <a:p>
-            <a:pPr defTabSz="914400">
-              <a:spcBef>
-                <a:spcPts val="0"/>
-              </a:spcBef>
-              <a:buClrTx/>
-            </a:pPr>
-            <a:r>
-              <a:rPr lang="en-US" sz="2800" dirty="0"/>
-              <a:t>Intro </a:t>
-            </a:r>
-            <a:r>
-              <a:rPr lang="en-US" sz="2800" dirty="0" err="1"/>
-              <a:t>til</a:t>
-            </a:r>
-            <a:r>
-              <a:rPr lang="en-US" sz="2800" dirty="0"/>
-              <a:t> 2. </a:t>
-            </a:r>
-            <a:r>
-              <a:rPr lang="en-US" sz="2800" dirty="0" err="1"/>
-              <a:t>semster</a:t>
-            </a:r>
-            <a:endParaRPr lang="en-US" sz="2800" dirty="0"/>
-          </a:p>
-          <a:p>
-            <a:pPr defTabSz="914400">
-              <a:spcBef>
-                <a:spcPts val="0"/>
-              </a:spcBef>
-              <a:buClrTx/>
-            </a:pPr>
-            <a:r>
-              <a:rPr lang="en-US" sz="2800" dirty="0"/>
-              <a:t>Gruppe </a:t>
-            </a:r>
-            <a:r>
-              <a:rPr lang="en-US" sz="2800" dirty="0" err="1"/>
-              <a:t>dannelse</a:t>
-            </a:r>
-            <a:endParaRPr lang="en-US" sz="2800" dirty="0"/>
-          </a:p>
-          <a:p>
-            <a:pPr defTabSz="914400">
-              <a:spcBef>
-                <a:spcPts val="0"/>
-              </a:spcBef>
-              <a:buClrTx/>
-            </a:pPr>
-            <a:r>
-              <a:rPr lang="en-US" sz="2800" dirty="0" err="1"/>
-              <a:t>Oversigt</a:t>
-            </a:r>
-            <a:r>
-              <a:rPr lang="en-US" sz="2800" dirty="0"/>
-              <a:t> over </a:t>
-            </a:r>
-            <a:r>
-              <a:rPr lang="en-US" sz="2800" dirty="0" err="1"/>
-              <a:t>ugens</a:t>
-            </a:r>
-            <a:r>
-              <a:rPr lang="en-US" sz="2800" dirty="0"/>
-              <a:t> </a:t>
-            </a:r>
-            <a:r>
-              <a:rPr lang="en-US" sz="2800" dirty="0" err="1"/>
-              <a:t>emne</a:t>
-            </a:r>
-            <a:endParaRPr lang="en-US" sz="2800" dirty="0"/>
-          </a:p>
-        </p:txBody>
-      </p:sp>
-    </p:spTree>
-    <p:extLst>
-      <p:ext uri="{BB962C8B-B14F-4D97-AF65-F5344CB8AC3E}">
-        <p14:creationId xmlns:p14="http://schemas.microsoft.com/office/powerpoint/2010/main" val="1003591491"/>
-      </p:ext>
-    </p:extLst>
-  </p:cSld>
-  <p:clrMapOvr>
-    <a:masterClrMapping/>
-  </p:clrMapOvr>
-</p:sld>
-</file>
-
-<file path=ppt/slides/slide20.xml><?xml version="1.0" encoding="utf-8"?>
-<p:sld xmlns:a="http://schemas.openxmlformats.org/drawingml/2006/main" xmlns:r="http://schemas.openxmlformats.org/officeDocument/2006/relationships" xmlns:p="http://schemas.openxmlformats.org/presentationml/2006/main">
-  <p:cSld>
-    <p:spTree>
-      <p:nvGrpSpPr>
-        <p:cNvPr id="1" name=""/>
-        <p:cNvGrpSpPr/>
-        <p:nvPr/>
-      </p:nvGrpSpPr>
-      <p:grpSpPr>
-        <a:xfrm>
-          <a:off x="0" y="0"/>
-          <a:ext cx="0" cy="0"/>
-          <a:chOff x="0" y="0"/>
-          <a:chExt cx="0" cy="0"/>
-        </a:xfrm>
-      </p:grpSpPr>
-      <p:sp>
-        <p:nvSpPr>
-          <p:cNvPr id="2" name="Text Placeholder 1">
-            <a:extLst>
-              <a:ext uri="{FF2B5EF4-FFF2-40B4-BE49-F238E27FC236}">
-                <a16:creationId xmlns:a16="http://schemas.microsoft.com/office/drawing/2014/main" id="{1FF7367A-6CC0-6C40-979A-415564AC78F7}"/>
-              </a:ext>
-            </a:extLst>
-          </p:cNvPr>
-          <p:cNvSpPr>
-            <a:spLocks noGrp="1"/>
-          </p:cNvSpPr>
-          <p:nvPr>
-            <p:ph type="body" sz="quarter" idx="10"/>
-          </p:nvPr>
-        </p:nvSpPr>
-        <p:spPr/>
-        <p:txBody>
-          <a:bodyPr/>
-          <a:lstStyle/>
-          <a:p>
-            <a:r>
-              <a:rPr lang="da-DK" dirty="0"/>
-              <a:t>Opgaverne til denne uge</a:t>
-            </a:r>
-          </a:p>
-        </p:txBody>
-      </p:sp>
-      <p:sp>
-        <p:nvSpPr>
-          <p:cNvPr id="3" name="Text Placeholder 2">
-            <a:extLst>
-              <a:ext uri="{FF2B5EF4-FFF2-40B4-BE49-F238E27FC236}">
-                <a16:creationId xmlns:a16="http://schemas.microsoft.com/office/drawing/2014/main" id="{5FB84CC8-C741-5241-A406-B095E620BDE3}"/>
-              </a:ext>
-            </a:extLst>
-          </p:cNvPr>
-          <p:cNvSpPr>
-            <a:spLocks noGrp="1"/>
-          </p:cNvSpPr>
-          <p:nvPr>
-            <p:ph type="body" sz="quarter" idx="11"/>
-          </p:nvPr>
-        </p:nvSpPr>
-        <p:spPr/>
-        <p:txBody>
-          <a:bodyPr/>
-          <a:lstStyle/>
-          <a:p>
-            <a:pPr marL="0" indent="0">
-              <a:buNone/>
-            </a:pPr>
-            <a:r>
-              <a:rPr lang="da-DK" dirty="0"/>
-              <a:t>(( Se materialet på hjemmesiderne ))</a:t>
-            </a:r>
-          </a:p>
-        </p:txBody>
-      </p:sp>
-    </p:spTree>
-    <p:extLst>
-      <p:ext uri="{BB962C8B-B14F-4D97-AF65-F5344CB8AC3E}">
-        <p14:creationId xmlns:p14="http://schemas.microsoft.com/office/powerpoint/2010/main" val="3034563242"/>
-      </p:ext>
-    </p:extLst>
-  </p:cSld>
-  <p:clrMapOvr>
-    <a:masterClrMapping/>
-  </p:clrMapOvr>
-</p:sld>
-</file>
-
-<file path=ppt/slides/slide21.xml><?xml version="1.0" encoding="utf-8"?>
-<p:sld xmlns:a="http://schemas.openxmlformats.org/drawingml/2006/main" xmlns:r="http://schemas.openxmlformats.org/officeDocument/2006/relationships" xmlns:p="http://schemas.openxmlformats.org/presentationml/2006/main">
-  <p:cSld>
-    <p:spTree>
-      <p:nvGrpSpPr>
-        <p:cNvPr id="1" name=""/>
-        <p:cNvGrpSpPr/>
-        <p:nvPr/>
-      </p:nvGrpSpPr>
-      <p:grpSpPr>
-        <a:xfrm>
-          <a:off x="0" y="0"/>
-          <a:ext cx="0" cy="0"/>
-          <a:chOff x="0" y="0"/>
-          <a:chExt cx="0" cy="0"/>
-        </a:xfrm>
-      </p:grpSpPr>
-      <p:sp>
-        <p:nvSpPr>
-          <p:cNvPr id="2" name="Text Placeholder 1">
-            <a:extLst>
-              <a:ext uri="{FF2B5EF4-FFF2-40B4-BE49-F238E27FC236}">
-                <a16:creationId xmlns:a16="http://schemas.microsoft.com/office/drawing/2014/main" id="{396A61FC-C9B4-DC42-80FC-CEC42E0B9889}"/>
-              </a:ext>
-            </a:extLst>
-          </p:cNvPr>
-          <p:cNvSpPr>
-            <a:spLocks noGrp="1"/>
-          </p:cNvSpPr>
-          <p:nvPr>
-            <p:ph type="body" sz="quarter" idx="10"/>
-          </p:nvPr>
-        </p:nvSpPr>
-        <p:spPr/>
-        <p:txBody>
-          <a:bodyPr/>
-          <a:lstStyle/>
-          <a:p>
-            <a:r>
-              <a:rPr lang="da-DK" dirty="0"/>
-              <a:t>Kort demo af klient kode</a:t>
-            </a:r>
-          </a:p>
-        </p:txBody>
-      </p:sp>
-      <p:sp>
-        <p:nvSpPr>
-          <p:cNvPr id="3" name="Text Placeholder 2">
-            <a:extLst>
-              <a:ext uri="{FF2B5EF4-FFF2-40B4-BE49-F238E27FC236}">
-                <a16:creationId xmlns:a16="http://schemas.microsoft.com/office/drawing/2014/main" id="{294F0D91-8429-3C4A-92FA-F82BE6C264C1}"/>
-              </a:ext>
-            </a:extLst>
-          </p:cNvPr>
-          <p:cNvSpPr>
-            <a:spLocks noGrp="1"/>
-          </p:cNvSpPr>
-          <p:nvPr>
-            <p:ph type="body" sz="quarter" idx="11"/>
-          </p:nvPr>
-        </p:nvSpPr>
-        <p:spPr/>
-        <p:txBody>
-          <a:bodyPr/>
-          <a:lstStyle/>
-          <a:p>
-            <a:pPr marL="0" indent="0">
-              <a:buNone/>
-            </a:pPr>
-            <a:r>
-              <a:rPr lang="da-DK"/>
-              <a:t>--- Hvis vi har tid</a:t>
-            </a:r>
-            <a:endParaRPr lang="da-DK" dirty="0"/>
-          </a:p>
-          <a:p>
-            <a:pPr marL="0" indent="0">
-              <a:buNone/>
-            </a:pPr>
-            <a:endParaRPr lang="da-DK" dirty="0"/>
-          </a:p>
-          <a:p>
-            <a:pPr marL="0" indent="0">
-              <a:buNone/>
-            </a:pPr>
-            <a:r>
-              <a:rPr lang="da-DK" dirty="0"/>
-              <a:t>(( vis </a:t>
-            </a:r>
-            <a:r>
-              <a:rPr lang="da-DK" dirty="0" err="1"/>
-              <a:t>ClientMain</a:t>
-            </a:r>
-            <a:r>
-              <a:rPr lang="da-DK" dirty="0"/>
-              <a:t> ))</a:t>
-            </a:r>
-          </a:p>
-        </p:txBody>
-      </p:sp>
-    </p:spTree>
-    <p:extLst>
-      <p:ext uri="{BB962C8B-B14F-4D97-AF65-F5344CB8AC3E}">
-        <p14:creationId xmlns:p14="http://schemas.microsoft.com/office/powerpoint/2010/main" val="708240865"/>
-      </p:ext>
-    </p:extLst>
-  </p:cSld>
-  <p:clrMapOvr>
-    <a:masterClrMapping/>
-  </p:clrMapOvr>
-</p:sld>
-</file>
-
-<file path=ppt/slides/slide22.xml><?xml version="1.0" encoding="utf-8"?>
-<p:sld xmlns:a="http://schemas.openxmlformats.org/drawingml/2006/main" xmlns:r="http://schemas.openxmlformats.org/officeDocument/2006/relationships" xmlns:p="http://schemas.openxmlformats.org/presentationml/2006/main">
-  <p:cSld>
-    <p:spTree>
-      <p:nvGrpSpPr>
-        <p:cNvPr id="1" name=""/>
-        <p:cNvGrpSpPr/>
-        <p:nvPr/>
-      </p:nvGrpSpPr>
-      <p:grpSpPr>
-        <a:xfrm>
-          <a:off x="0" y="0"/>
-          <a:ext cx="0" cy="0"/>
-          <a:chOff x="0" y="0"/>
-          <a:chExt cx="0" cy="0"/>
-        </a:xfrm>
-      </p:grpSpPr>
-      <p:sp>
-        <p:nvSpPr>
-          <p:cNvPr id="2" name="Text Placeholder 1">
-            <a:extLst>
-              <a:ext uri="{FF2B5EF4-FFF2-40B4-BE49-F238E27FC236}">
-                <a16:creationId xmlns:a16="http://schemas.microsoft.com/office/drawing/2014/main" id="{4E6D2865-0EEA-B74C-91ED-5898144ED9A0}"/>
-              </a:ext>
-            </a:extLst>
-          </p:cNvPr>
-          <p:cNvSpPr>
-            <a:spLocks noGrp="1"/>
-          </p:cNvSpPr>
-          <p:nvPr>
-            <p:ph type="body" sz="quarter" idx="10"/>
-          </p:nvPr>
-        </p:nvSpPr>
-        <p:spPr/>
-        <p:txBody>
-          <a:bodyPr/>
-          <a:lstStyle/>
-          <a:p>
-            <a:r>
-              <a:rPr lang="da-DK" dirty="0"/>
-              <a:t>Liste over standard protokoller</a:t>
-            </a:r>
-          </a:p>
-        </p:txBody>
-      </p:sp>
-      <p:sp>
-        <p:nvSpPr>
-          <p:cNvPr id="3" name="Text Placeholder 2">
-            <a:extLst>
-              <a:ext uri="{FF2B5EF4-FFF2-40B4-BE49-F238E27FC236}">
-                <a16:creationId xmlns:a16="http://schemas.microsoft.com/office/drawing/2014/main" id="{E1558A35-C492-5D46-96F8-AC65B9663C7F}"/>
-              </a:ext>
-            </a:extLst>
-          </p:cNvPr>
-          <p:cNvSpPr>
-            <a:spLocks noGrp="1"/>
-          </p:cNvSpPr>
-          <p:nvPr>
-            <p:ph type="body" sz="quarter" idx="11"/>
-          </p:nvPr>
-        </p:nvSpPr>
-        <p:spPr/>
-        <p:txBody>
-          <a:bodyPr/>
-          <a:lstStyle/>
-          <a:p>
-            <a:pPr marL="0" indent="0">
-              <a:buNone/>
-            </a:pPr>
-            <a:r>
-              <a:rPr lang="da-DK" sz="1800" dirty="0"/>
-              <a:t>Wikipedia har en </a:t>
-            </a:r>
-            <a:r>
-              <a:rPr lang="da-DK" sz="1800" dirty="0">
-                <a:hlinkClick r:id="rId2"/>
-              </a:rPr>
-              <a:t>liste over hvilke servere</a:t>
-            </a:r>
-            <a:r>
-              <a:rPr lang="da-DK" sz="1800" dirty="0"/>
-              <a:t> der som ”standard” ligger bag forskellige </a:t>
-            </a:r>
-            <a:r>
-              <a:rPr lang="da-DK" sz="1800" dirty="0" err="1"/>
-              <a:t>portnumre</a:t>
-            </a:r>
-            <a:r>
-              <a:rPr lang="da-DK" sz="1800" dirty="0"/>
-              <a:t>.</a:t>
-            </a:r>
-          </a:p>
-          <a:p>
-            <a:pPr marL="0" indent="0">
-              <a:buNone/>
-            </a:pPr>
-            <a:endParaRPr lang="da-DK" sz="1800" dirty="0"/>
-          </a:p>
-          <a:p>
-            <a:pPr marL="0" indent="0">
-              <a:buNone/>
-            </a:pPr>
-            <a:r>
-              <a:rPr lang="da-DK" sz="1800" dirty="0"/>
-              <a:t>Hvilke kender I til?</a:t>
-            </a:r>
-          </a:p>
-          <a:p>
-            <a:pPr marL="0" indent="0">
-              <a:buNone/>
-            </a:pPr>
-            <a:endParaRPr lang="da-DK" sz="1800" dirty="0"/>
-          </a:p>
-        </p:txBody>
-      </p:sp>
-    </p:spTree>
-    <p:extLst>
-      <p:ext uri="{BB962C8B-B14F-4D97-AF65-F5344CB8AC3E}">
-        <p14:creationId xmlns:p14="http://schemas.microsoft.com/office/powerpoint/2010/main" val="3279703675"/>
-      </p:ext>
-    </p:extLst>
-  </p:cSld>
-  <p:clrMapOvr>
-    <a:masterClrMapping/>
-  </p:clrMapOvr>
-</p:sld>
-</file>
-
-<file path=ppt/slides/slide3.xml><?xml version="1.0" encoding="utf-8"?>
-<p:sld xmlns:a="http://schemas.openxmlformats.org/drawingml/2006/main" xmlns:r="http://schemas.openxmlformats.org/officeDocument/2006/relationships" xmlns:p="http://schemas.openxmlformats.org/presentationml/2006/main">
-  <p:cSld>
-    <p:spTree>
-      <p:nvGrpSpPr>
-        <p:cNvPr id="1" name=""/>
-        <p:cNvGrpSpPr/>
-        <p:nvPr/>
-      </p:nvGrpSpPr>
-      <p:grpSpPr>
-        <a:xfrm>
-          <a:off x="0" y="0"/>
-          <a:ext cx="0" cy="0"/>
-          <a:chOff x="0" y="0"/>
-          <a:chExt cx="0" cy="0"/>
-        </a:xfrm>
-      </p:grpSpPr>
-      <p:sp>
-        <p:nvSpPr>
-          <p:cNvPr id="8" name="Rectangle 7"/>
-          <p:cNvSpPr/>
-          <p:nvPr/>
-        </p:nvSpPr>
-        <p:spPr>
-          <a:xfrm>
-            <a:off x="0" y="0"/>
-            <a:ext cx="9944004" cy="7451725"/>
-          </a:xfrm>
-          <a:prstGeom prst="rect">
-            <a:avLst/>
-          </a:prstGeom>
-          <a:solidFill>
-            <a:srgbClr val="00163B"/>
-          </a:solidFill>
-        </p:spPr>
-        <p:style>
-          <a:lnRef idx="1">
-            <a:schemeClr val="accent1"/>
-          </a:lnRef>
-          <a:fillRef idx="3">
-            <a:schemeClr val="accent1"/>
-          </a:fillRef>
-          <a:effectRef idx="2">
-            <a:schemeClr val="accent1"/>
-          </a:effectRef>
-          <a:fontRef idx="minor">
-            <a:schemeClr val="lt1"/>
-          </a:fontRef>
-        </p:style>
-        <p:txBody>
-          <a:bodyPr rtlCol="0" anchor="ctr"/>
-          <a:lstStyle/>
-          <a:p>
-            <a:pPr algn="ctr"/>
-            <a:endParaRPr lang="en-US"/>
-          </a:p>
-        </p:txBody>
-      </p:sp>
-      <p:sp>
-        <p:nvSpPr>
-          <p:cNvPr id="4" name="Title Placeholder 1"/>
-          <p:cNvSpPr txBox="1">
-            <a:spLocks/>
-          </p:cNvSpPr>
-          <p:nvPr/>
-        </p:nvSpPr>
-        <p:spPr>
-          <a:xfrm>
-            <a:off x="1118093" y="4553473"/>
-            <a:ext cx="7294727" cy="1241954"/>
-          </a:xfrm>
-          <a:prstGeom prst="rect">
-            <a:avLst/>
-          </a:prstGeom>
-        </p:spPr>
-        <p:txBody>
-          <a:bodyPr vert="horz" lIns="99377" tIns="49688" rIns="99377" bIns="49688" rtlCol="0" anchor="ctr">
-            <a:noAutofit/>
-          </a:bodyPr>
-          <a:lstStyle>
-            <a:lvl1pPr algn="l" defTabSz="496885" rtl="0" eaLnBrk="1" latinLnBrk="0" hangingPunct="1">
-              <a:spcBef>
-                <a:spcPct val="0"/>
-              </a:spcBef>
-              <a:buNone/>
-              <a:defRPr sz="3600" kern="1200">
-                <a:solidFill>
-                  <a:srgbClr val="FBB040"/>
-                </a:solidFill>
-                <a:latin typeface="Verdana"/>
-                <a:ea typeface="+mj-ea"/>
-                <a:cs typeface="Verdana"/>
-              </a:defRPr>
-            </a:lvl1pPr>
-          </a:lstStyle>
-          <a:p>
-            <a:r>
-              <a:rPr lang="da-DK"/>
-              <a:t>Praktisk for semesteret</a:t>
-            </a:r>
-            <a:endParaRPr lang="en-US"/>
-          </a:p>
-        </p:txBody>
-      </p:sp>
-      <p:pic>
-        <p:nvPicPr>
-          <p:cNvPr id="6" name="Picture 5" descr="CPHbusinessNEG_RGB.png"/>
-          <p:cNvPicPr>
-            <a:picLocks noChangeAspect="1"/>
-          </p:cNvPicPr>
-          <p:nvPr/>
-        </p:nvPicPr>
-        <p:blipFill>
-          <a:blip r:embed="rId2">
-            <a:extLst>
-              <a:ext uri="{28A0092B-C50C-407E-A947-70E740481C1C}">
-                <a14:useLocalDpi xmlns:a14="http://schemas.microsoft.com/office/drawing/2010/main" val="0"/>
-              </a:ext>
-            </a:extLst>
-          </a:blip>
-          <a:stretch>
-            <a:fillRect/>
-          </a:stretch>
-        </p:blipFill>
-        <p:spPr>
-          <a:xfrm>
-            <a:off x="7604008" y="10855"/>
-            <a:ext cx="2339996" cy="927977"/>
-          </a:xfrm>
-          <a:prstGeom prst="rect">
-            <a:avLst/>
-          </a:prstGeom>
-        </p:spPr>
-      </p:pic>
-      <p:pic>
-        <p:nvPicPr>
-          <p:cNvPr id="7" name="Picture 6" descr="3fotos.png"/>
-          <p:cNvPicPr>
-            <a:picLocks noChangeAspect="1"/>
-          </p:cNvPicPr>
-          <p:nvPr/>
-        </p:nvPicPr>
-        <p:blipFill>
-          <a:blip r:embed="rId3">
-            <a:extLst>
-              <a:ext uri="{28A0092B-C50C-407E-A947-70E740481C1C}">
-                <a14:useLocalDpi xmlns:a14="http://schemas.microsoft.com/office/drawing/2010/main" val="0"/>
-              </a:ext>
-            </a:extLst>
-          </a:blip>
-          <a:stretch>
-            <a:fillRect/>
-          </a:stretch>
-        </p:blipFill>
-        <p:spPr>
-          <a:xfrm>
-            <a:off x="1215788" y="1304241"/>
-            <a:ext cx="7500977" cy="3443013"/>
-          </a:xfrm>
-          <a:prstGeom prst="rect">
-            <a:avLst/>
-          </a:prstGeom>
-        </p:spPr>
-      </p:pic>
-    </p:spTree>
-    <p:extLst>
-      <p:ext uri="{BB962C8B-B14F-4D97-AF65-F5344CB8AC3E}">
-        <p14:creationId xmlns:p14="http://schemas.microsoft.com/office/powerpoint/2010/main" val="2093824580"/>
-      </p:ext>
-    </p:extLst>
-  </p:cSld>
-  <p:clrMapOvr>
-    <a:masterClrMapping/>
-  </p:clrMapOvr>
-</p:sld>
-</file>
-
-<file path=ppt/slides/slide4.xml><?xml version="1.0" encoding="utf-8"?>
-<p:sld xmlns:a="http://schemas.openxmlformats.org/drawingml/2006/main" xmlns:r="http://schemas.openxmlformats.org/officeDocument/2006/relationships" xmlns:p="http://schemas.openxmlformats.org/presentationml/2006/main">
-  <p:cSld>
-    <p:spTree>
-      <p:nvGrpSpPr>
-        <p:cNvPr id="1" name=""/>
-        <p:cNvGrpSpPr/>
-        <p:nvPr/>
-      </p:nvGrpSpPr>
-      <p:grpSpPr>
-        <a:xfrm>
-          <a:off x="0" y="0"/>
-          <a:ext cx="0" cy="0"/>
-          <a:chOff x="0" y="0"/>
-          <a:chExt cx="0" cy="0"/>
-        </a:xfrm>
-      </p:grpSpPr>
-      <p:sp>
-        <p:nvSpPr>
-          <p:cNvPr id="2" name="Title 1"/>
-          <p:cNvSpPr>
-            <a:spLocks noGrp="1"/>
-          </p:cNvSpPr>
-          <p:nvPr>
-            <p:ph type="title"/>
-          </p:nvPr>
-        </p:nvSpPr>
-        <p:spPr/>
-        <p:txBody>
-          <a:bodyPr/>
-          <a:lstStyle/>
-          <a:p>
-            <a:r>
-              <a:rPr lang="en-US" err="1"/>
-              <a:t>Oversigt</a:t>
-            </a:r>
-            <a:r>
-              <a:rPr lang="en-US"/>
-              <a:t> over 2. semester</a:t>
-            </a:r>
-          </a:p>
-        </p:txBody>
-      </p:sp>
-      <p:sp>
-        <p:nvSpPr>
-          <p:cNvPr id="3" name="Content Placeholder 2"/>
-          <p:cNvSpPr>
-            <a:spLocks noGrp="1"/>
-          </p:cNvSpPr>
-          <p:nvPr>
-            <p:ph idx="1"/>
-          </p:nvPr>
-        </p:nvSpPr>
-        <p:spPr>
-          <a:xfrm>
-            <a:off x="683329" y="1263241"/>
-            <a:ext cx="8572679" cy="4728051"/>
-          </a:xfrm>
-        </p:spPr>
-        <p:txBody>
-          <a:bodyPr/>
-          <a:lstStyle/>
-          <a:p>
-            <a:pPr>
-              <a:spcBef>
-                <a:spcPts val="0"/>
-              </a:spcBef>
-            </a:pPr>
-            <a:r>
-              <a:rPr lang="en-US" dirty="0"/>
-              <a:t>Moodle flow </a:t>
-            </a:r>
-            <a:r>
-              <a:rPr lang="mr-IN" dirty="0"/>
-              <a:t>–</a:t>
-            </a:r>
-            <a:r>
-              <a:rPr lang="en-US" dirty="0"/>
-              <a:t> “</a:t>
-            </a:r>
-            <a:r>
-              <a:rPr lang="en-US" dirty="0" err="1"/>
-              <a:t>Datamatiker</a:t>
-            </a:r>
-            <a:r>
-              <a:rPr lang="en-US" dirty="0"/>
-              <a:t> 2. semester </a:t>
-            </a:r>
-            <a:r>
-              <a:rPr lang="en-US" dirty="0" err="1"/>
-              <a:t>Forår</a:t>
-            </a:r>
-            <a:r>
-              <a:rPr lang="en-US" dirty="0"/>
-              <a:t> 2019”</a:t>
-            </a:r>
-          </a:p>
-          <a:p>
-            <a:pPr>
-              <a:spcBef>
-                <a:spcPts val="0"/>
-              </a:spcBef>
-            </a:pPr>
-            <a:r>
-              <a:rPr lang="en-US" dirty="0" err="1"/>
-              <a:t>Skema</a:t>
-            </a:r>
-            <a:endParaRPr lang="en-US" dirty="0"/>
-          </a:p>
-          <a:p>
-            <a:pPr>
-              <a:spcBef>
-                <a:spcPts val="0"/>
-              </a:spcBef>
-            </a:pPr>
-            <a:r>
-              <a:rPr lang="en-US" dirty="0" err="1"/>
-              <a:t>Det</a:t>
-            </a:r>
-            <a:r>
-              <a:rPr lang="en-US" dirty="0"/>
-              <a:t> </a:t>
-            </a:r>
-            <a:r>
-              <a:rPr lang="en-US" dirty="0" err="1"/>
-              <a:t>meste</a:t>
-            </a:r>
-            <a:r>
-              <a:rPr lang="en-US" dirty="0"/>
-              <a:t> </a:t>
-            </a:r>
-            <a:r>
-              <a:rPr lang="en-US" dirty="0" err="1"/>
-              <a:t>materiale</a:t>
-            </a:r>
-            <a:r>
-              <a:rPr lang="en-US" dirty="0"/>
-              <a:t> </a:t>
-            </a:r>
-            <a:r>
-              <a:rPr lang="en-US" dirty="0" err="1"/>
-              <a:t>vil</a:t>
-            </a:r>
-            <a:r>
-              <a:rPr lang="en-US" dirty="0"/>
-              <a:t> </a:t>
-            </a:r>
-            <a:r>
-              <a:rPr lang="en-US" dirty="0" err="1"/>
-              <a:t>være</a:t>
-            </a:r>
-            <a:r>
-              <a:rPr lang="en-US" dirty="0"/>
-              <a:t> </a:t>
-            </a:r>
-            <a:r>
-              <a:rPr lang="en-US" dirty="0" err="1"/>
-              <a:t>på</a:t>
-            </a:r>
-            <a:r>
-              <a:rPr lang="en-US" dirty="0"/>
-              <a:t> </a:t>
-            </a:r>
-            <a:r>
-              <a:rPr lang="en-US" dirty="0" err="1"/>
-              <a:t>github</a:t>
-            </a:r>
-            <a:r>
-              <a:rPr lang="en-US" dirty="0"/>
-              <a:t>-pages</a:t>
-            </a:r>
-          </a:p>
-          <a:p>
-            <a:pPr lvl="1">
-              <a:spcBef>
-                <a:spcPts val="0"/>
-              </a:spcBef>
-            </a:pPr>
-            <a:r>
-              <a:rPr lang="en-US" dirty="0">
-                <a:hlinkClick r:id="rId2"/>
-              </a:rPr>
-              <a:t>https://github.com/bornholm2sem2019</a:t>
-            </a:r>
-            <a:endParaRPr lang="en-US" dirty="0"/>
-          </a:p>
-          <a:p>
-            <a:pPr lvl="1">
-              <a:spcBef>
-                <a:spcPts val="0"/>
-              </a:spcBef>
-            </a:pPr>
-            <a:r>
-              <a:rPr lang="en-US" dirty="0"/>
-              <a:t>((</a:t>
-            </a:r>
-            <a:r>
-              <a:rPr lang="en-US" dirty="0" err="1"/>
-              <a:t>kort</a:t>
-            </a:r>
-            <a:r>
-              <a:rPr lang="en-US" dirty="0"/>
-              <a:t> </a:t>
-            </a:r>
-            <a:r>
-              <a:rPr lang="en-US" dirty="0" err="1"/>
-              <a:t>gennemgang</a:t>
-            </a:r>
-            <a:r>
-              <a:rPr lang="en-US" dirty="0"/>
-              <a:t> </a:t>
-            </a:r>
-            <a:r>
-              <a:rPr lang="en-US" dirty="0" err="1"/>
-              <a:t>af</a:t>
-            </a:r>
-            <a:r>
-              <a:rPr lang="en-US" dirty="0"/>
-              <a:t> </a:t>
-            </a:r>
-            <a:r>
-              <a:rPr lang="en-US" dirty="0" err="1"/>
-              <a:t>oversigt</a:t>
-            </a:r>
-            <a:r>
-              <a:rPr lang="en-US" dirty="0"/>
-              <a:t>))</a:t>
-            </a:r>
-          </a:p>
-          <a:p>
-            <a:pPr lvl="1">
-              <a:spcBef>
-                <a:spcPts val="0"/>
-              </a:spcBef>
-            </a:pPr>
-            <a:r>
-              <a:rPr lang="en-US" dirty="0" err="1"/>
-              <a:t>Emnerne</a:t>
-            </a:r>
-            <a:r>
-              <a:rPr lang="en-US" dirty="0"/>
-              <a:t> for </a:t>
-            </a:r>
-            <a:r>
-              <a:rPr lang="en-US" dirty="0" err="1"/>
-              <a:t>modul</a:t>
-            </a:r>
-            <a:r>
-              <a:rPr lang="en-US" dirty="0"/>
-              <a:t> 1 </a:t>
-            </a:r>
-            <a:r>
-              <a:rPr lang="en-US" dirty="0" err="1"/>
-              <a:t>til</a:t>
-            </a:r>
-            <a:r>
-              <a:rPr lang="en-US" dirty="0"/>
-              <a:t> 5</a:t>
-            </a:r>
-          </a:p>
-          <a:p>
-            <a:pPr>
-              <a:spcBef>
-                <a:spcPts val="0"/>
-              </a:spcBef>
-            </a:pPr>
-            <a:r>
-              <a:rPr lang="en-US" dirty="0"/>
-              <a:t>Info om </a:t>
-            </a:r>
-            <a:r>
-              <a:rPr lang="en-US" dirty="0" err="1"/>
-              <a:t>semesteret</a:t>
-            </a:r>
-            <a:r>
-              <a:rPr lang="en-US" dirty="0"/>
-              <a:t> </a:t>
-            </a:r>
-            <a:r>
-              <a:rPr lang="en-US" dirty="0" err="1"/>
-              <a:t>er</a:t>
-            </a:r>
-            <a:r>
-              <a:rPr lang="en-US" dirty="0"/>
-              <a:t> </a:t>
-            </a:r>
-            <a:r>
-              <a:rPr lang="en-US" dirty="0" err="1"/>
-              <a:t>samlet</a:t>
-            </a:r>
-            <a:r>
-              <a:rPr lang="en-US" dirty="0"/>
-              <a:t> </a:t>
-            </a:r>
-            <a:r>
-              <a:rPr lang="en-US" dirty="0" err="1"/>
-              <a:t>på</a:t>
-            </a:r>
-            <a:r>
-              <a:rPr lang="en-US" dirty="0"/>
-              <a:t> </a:t>
-            </a:r>
-            <a:r>
-              <a:rPr lang="en-US" dirty="0" err="1"/>
-              <a:t>en</a:t>
-            </a:r>
-            <a:r>
-              <a:rPr lang="en-US" dirty="0"/>
-              <a:t> side</a:t>
-            </a:r>
-            <a:endParaRPr lang="en-US" dirty="0">
-              <a:sym typeface="Wingdings"/>
-            </a:endParaRPr>
-          </a:p>
-          <a:p>
-            <a:pPr lvl="1">
-              <a:spcBef>
-                <a:spcPts val="0"/>
-              </a:spcBef>
-            </a:pPr>
-            <a:r>
-              <a:rPr lang="en-US" dirty="0">
-                <a:sym typeface="Wingdings"/>
-              </a:rPr>
-              <a:t>((</a:t>
-            </a:r>
-            <a:r>
-              <a:rPr lang="en-US" dirty="0">
-                <a:sym typeface="Wingdings"/>
-                <a:hlinkClick r:id="rId3"/>
-              </a:rPr>
-              <a:t>gennemgang af praktisk info</a:t>
-            </a:r>
-            <a:r>
-              <a:rPr lang="en-US" dirty="0">
-                <a:sym typeface="Wingdings"/>
-              </a:rPr>
-              <a:t>))</a:t>
-            </a:r>
-          </a:p>
-          <a:p>
-            <a:pPr>
-              <a:spcBef>
-                <a:spcPts val="0"/>
-              </a:spcBef>
-            </a:pPr>
-            <a:endParaRPr lang="en-US" dirty="0">
-              <a:sym typeface="Wingdings"/>
-            </a:endParaRPr>
-          </a:p>
-          <a:p>
-            <a:pPr>
-              <a:spcBef>
-                <a:spcPts val="0"/>
-              </a:spcBef>
-            </a:pPr>
-            <a:r>
-              <a:rPr lang="en-US" dirty="0" err="1">
-                <a:sym typeface="Wingdings"/>
-              </a:rPr>
-              <a:t>Ugeplan</a:t>
-            </a:r>
-            <a:endParaRPr lang="en-US" dirty="0">
-              <a:sym typeface="Wingdings"/>
-            </a:endParaRPr>
-          </a:p>
-        </p:txBody>
-      </p:sp>
-    </p:spTree>
-    <p:extLst>
-      <p:ext uri="{BB962C8B-B14F-4D97-AF65-F5344CB8AC3E}">
-        <p14:creationId xmlns:p14="http://schemas.microsoft.com/office/powerpoint/2010/main" val="1092741244"/>
-      </p:ext>
-    </p:extLst>
-  </p:cSld>
-  <p:clrMapOvr>
-    <a:masterClrMapping/>
-  </p:clrMapOvr>
-</p:sld>
-</file>
-
-<file path=ppt/slides/slide5.xml><?xml version="1.0" encoding="utf-8"?>
-<p:sld xmlns:a="http://schemas.openxmlformats.org/drawingml/2006/main" xmlns:r="http://schemas.openxmlformats.org/officeDocument/2006/relationships" xmlns:p="http://schemas.openxmlformats.org/presentationml/2006/main">
-  <p:cSld>
-    <p:spTree>
-      <p:nvGrpSpPr>
-        <p:cNvPr id="1" name=""/>
-        <p:cNvGrpSpPr/>
-        <p:nvPr/>
-      </p:nvGrpSpPr>
-      <p:grpSpPr>
-        <a:xfrm>
-          <a:off x="0" y="0"/>
-          <a:ext cx="0" cy="0"/>
-          <a:chOff x="0" y="0"/>
-          <a:chExt cx="0" cy="0"/>
-        </a:xfrm>
-      </p:grpSpPr>
-      <p:sp>
-        <p:nvSpPr>
-          <p:cNvPr id="8" name="Rectangle 7"/>
-          <p:cNvSpPr/>
-          <p:nvPr/>
-        </p:nvSpPr>
-        <p:spPr>
-          <a:xfrm>
-            <a:off x="0" y="0"/>
-            <a:ext cx="9944004" cy="7451725"/>
-          </a:xfrm>
-          <a:prstGeom prst="rect">
-            <a:avLst/>
-          </a:prstGeom>
-          <a:solidFill>
-            <a:srgbClr val="00163B"/>
-          </a:solidFill>
-        </p:spPr>
-        <p:style>
-          <a:lnRef idx="1">
-            <a:schemeClr val="accent1"/>
-          </a:lnRef>
-          <a:fillRef idx="3">
-            <a:schemeClr val="accent1"/>
-          </a:fillRef>
-          <a:effectRef idx="2">
-            <a:schemeClr val="accent1"/>
-          </a:effectRef>
-          <a:fontRef idx="minor">
-            <a:schemeClr val="lt1"/>
-          </a:fontRef>
-        </p:style>
-        <p:txBody>
-          <a:bodyPr rtlCol="0" anchor="ctr"/>
-          <a:lstStyle/>
-          <a:p>
-            <a:pPr algn="ctr"/>
-            <a:endParaRPr lang="en-US"/>
-          </a:p>
-        </p:txBody>
-      </p:sp>
-      <p:sp>
-        <p:nvSpPr>
-          <p:cNvPr id="4" name="Title Placeholder 1"/>
-          <p:cNvSpPr txBox="1">
-            <a:spLocks/>
-          </p:cNvSpPr>
-          <p:nvPr/>
-        </p:nvSpPr>
-        <p:spPr>
-          <a:xfrm>
-            <a:off x="1118093" y="4553473"/>
-            <a:ext cx="7294727" cy="1241954"/>
-          </a:xfrm>
-          <a:prstGeom prst="rect">
-            <a:avLst/>
-          </a:prstGeom>
-        </p:spPr>
-        <p:txBody>
-          <a:bodyPr vert="horz" lIns="99377" tIns="49688" rIns="99377" bIns="49688" rtlCol="0" anchor="ctr">
-            <a:noAutofit/>
-          </a:bodyPr>
-          <a:lstStyle>
-            <a:lvl1pPr algn="l" defTabSz="496885" rtl="0" eaLnBrk="1" latinLnBrk="0" hangingPunct="1">
-              <a:spcBef>
-                <a:spcPct val="0"/>
-              </a:spcBef>
-              <a:buNone/>
-              <a:defRPr sz="3600" kern="1200">
-                <a:solidFill>
-                  <a:srgbClr val="FBB040"/>
-                </a:solidFill>
-                <a:latin typeface="Verdana"/>
-                <a:ea typeface="+mj-ea"/>
-                <a:cs typeface="Verdana"/>
-              </a:defRPr>
-            </a:lvl1pPr>
-          </a:lstStyle>
-          <a:p>
-            <a:r>
-              <a:rPr lang="da-DK" dirty="0"/>
-              <a:t>Grupper for modul 1</a:t>
-            </a:r>
-            <a:endParaRPr lang="en-US" dirty="0"/>
-          </a:p>
-        </p:txBody>
-      </p:sp>
-      <p:pic>
-        <p:nvPicPr>
-          <p:cNvPr id="6" name="Picture 5" descr="CPHbusinessNEG_RGB.png"/>
-          <p:cNvPicPr>
-            <a:picLocks noChangeAspect="1"/>
-          </p:cNvPicPr>
-          <p:nvPr/>
-        </p:nvPicPr>
-        <p:blipFill>
-          <a:blip r:embed="rId2">
-            <a:extLst>
-              <a:ext uri="{28A0092B-C50C-407E-A947-70E740481C1C}">
-                <a14:useLocalDpi xmlns:a14="http://schemas.microsoft.com/office/drawing/2010/main" val="0"/>
-              </a:ext>
-            </a:extLst>
-          </a:blip>
-          <a:stretch>
-            <a:fillRect/>
-          </a:stretch>
-        </p:blipFill>
-        <p:spPr>
-          <a:xfrm>
-            <a:off x="7604008" y="10855"/>
-            <a:ext cx="2339996" cy="927977"/>
-          </a:xfrm>
-          <a:prstGeom prst="rect">
-            <a:avLst/>
-          </a:prstGeom>
-        </p:spPr>
-      </p:pic>
-      <p:pic>
-        <p:nvPicPr>
-          <p:cNvPr id="7" name="Picture 6" descr="3fotos.png"/>
-          <p:cNvPicPr>
-            <a:picLocks noChangeAspect="1"/>
-          </p:cNvPicPr>
-          <p:nvPr/>
-        </p:nvPicPr>
-        <p:blipFill>
-          <a:blip r:embed="rId3">
-            <a:extLst>
-              <a:ext uri="{28A0092B-C50C-407E-A947-70E740481C1C}">
-                <a14:useLocalDpi xmlns:a14="http://schemas.microsoft.com/office/drawing/2010/main" val="0"/>
-              </a:ext>
-            </a:extLst>
-          </a:blip>
-          <a:stretch>
-            <a:fillRect/>
-          </a:stretch>
-        </p:blipFill>
-        <p:spPr>
-          <a:xfrm>
-            <a:off x="1215788" y="1304241"/>
-            <a:ext cx="7500977" cy="3443013"/>
-          </a:xfrm>
-          <a:prstGeom prst="rect">
-            <a:avLst/>
-          </a:prstGeom>
-        </p:spPr>
-      </p:pic>
-    </p:spTree>
-    <p:extLst>
-      <p:ext uri="{BB962C8B-B14F-4D97-AF65-F5344CB8AC3E}">
-        <p14:creationId xmlns:p14="http://schemas.microsoft.com/office/powerpoint/2010/main" val="256649476"/>
-      </p:ext>
-    </p:extLst>
-  </p:cSld>
-  <p:clrMapOvr>
-    <a:masterClrMapping/>
-  </p:clrMapOvr>
-</p:sld>
-</file>
-
-<file path=ppt/slides/slide6.xml><?xml version="1.0" encoding="utf-8"?>
-<p:sld xmlns:a="http://schemas.openxmlformats.org/drawingml/2006/main" xmlns:r="http://schemas.openxmlformats.org/officeDocument/2006/relationships" xmlns:p="http://schemas.openxmlformats.org/presentationml/2006/main">
-  <p:cSld>
-    <p:spTree>
-      <p:nvGrpSpPr>
-        <p:cNvPr id="1" name=""/>
-        <p:cNvGrpSpPr/>
-        <p:nvPr/>
-      </p:nvGrpSpPr>
-      <p:grpSpPr>
-        <a:xfrm>
-          <a:off x="0" y="0"/>
-          <a:ext cx="0" cy="0"/>
-          <a:chOff x="0" y="0"/>
-          <a:chExt cx="0" cy="0"/>
-        </a:xfrm>
-      </p:grpSpPr>
-      <p:sp>
-        <p:nvSpPr>
-          <p:cNvPr id="2" name="Title 1"/>
-          <p:cNvSpPr>
-            <a:spLocks noGrp="1"/>
-          </p:cNvSpPr>
-          <p:nvPr>
-            <p:ph type="title"/>
-          </p:nvPr>
-        </p:nvSpPr>
-        <p:spPr>
-          <a:xfrm>
-            <a:off x="683330" y="396736"/>
-            <a:ext cx="8572679" cy="752333"/>
-          </a:xfrm>
-        </p:spPr>
-        <p:txBody>
-          <a:bodyPr/>
-          <a:lstStyle/>
-          <a:p>
-            <a:r>
-              <a:rPr lang="en-US" dirty="0" err="1"/>
-              <a:t>Grupper</a:t>
-            </a:r>
-            <a:r>
-              <a:rPr lang="en-US" dirty="0"/>
-              <a:t> </a:t>
-            </a:r>
-            <a:r>
-              <a:rPr lang="en-US" dirty="0" err="1"/>
-              <a:t>i</a:t>
-            </a:r>
-            <a:r>
-              <a:rPr lang="en-US" dirty="0"/>
-              <a:t> </a:t>
-            </a:r>
-            <a:r>
-              <a:rPr lang="en-US" dirty="0" err="1"/>
-              <a:t>modul</a:t>
-            </a:r>
-            <a:r>
-              <a:rPr lang="en-US" dirty="0"/>
-              <a:t> 1</a:t>
-            </a:r>
-          </a:p>
-        </p:txBody>
-      </p:sp>
-      <p:sp>
-        <p:nvSpPr>
-          <p:cNvPr id="3" name="Rectangle 2">
-            <a:extLst>
-              <a:ext uri="{FF2B5EF4-FFF2-40B4-BE49-F238E27FC236}">
-                <a16:creationId xmlns:a16="http://schemas.microsoft.com/office/drawing/2014/main" id="{A4674E86-4D01-D043-9685-FAD5D8329798}"/>
-              </a:ext>
-            </a:extLst>
-          </p:cNvPr>
-          <p:cNvSpPr/>
-          <p:nvPr/>
-        </p:nvSpPr>
-        <p:spPr>
-          <a:xfrm>
-            <a:off x="2175345" y="1580066"/>
-            <a:ext cx="4968875" cy="4708981"/>
-          </a:xfrm>
-          <a:prstGeom prst="rect">
-            <a:avLst/>
-          </a:prstGeom>
-        </p:spPr>
-        <p:txBody>
-          <a:bodyPr>
-            <a:spAutoFit/>
-          </a:bodyPr>
-          <a:lstStyle/>
-          <a:p>
-            <a:r>
-              <a:rPr lang="da-DK" dirty="0"/>
-              <a:t>Ole</a:t>
-            </a:r>
-          </a:p>
-          <a:p>
-            <a:r>
-              <a:rPr lang="da-DK" dirty="0"/>
-              <a:t>Ulrik</a:t>
-            </a:r>
-            <a:br>
-              <a:rPr lang="da-DK" dirty="0"/>
-            </a:br>
-            <a:endParaRPr lang="da-DK" dirty="0"/>
-          </a:p>
-          <a:p>
-            <a:r>
-              <a:rPr lang="da-DK" dirty="0"/>
-              <a:t>Jeppe</a:t>
-            </a:r>
-          </a:p>
-          <a:p>
-            <a:r>
-              <a:rPr lang="da-DK" dirty="0"/>
-              <a:t>Joshua</a:t>
-            </a:r>
-          </a:p>
-          <a:p>
-            <a:endParaRPr lang="da-DK" dirty="0"/>
-          </a:p>
-          <a:p>
-            <a:r>
-              <a:rPr lang="da-DK" dirty="0"/>
-              <a:t>Marcus</a:t>
-            </a:r>
-          </a:p>
-          <a:p>
-            <a:r>
-              <a:rPr lang="da-DK" dirty="0"/>
-              <a:t>Rømer</a:t>
-            </a:r>
-          </a:p>
-          <a:p>
-            <a:endParaRPr lang="da-DK" dirty="0"/>
-          </a:p>
-          <a:p>
-            <a:r>
-              <a:rPr lang="da-DK" dirty="0"/>
-              <a:t>Jesper</a:t>
-            </a:r>
-          </a:p>
-          <a:p>
-            <a:r>
-              <a:rPr lang="da-DK" dirty="0"/>
-              <a:t>Simon</a:t>
-            </a:r>
-          </a:p>
-          <a:p>
-            <a:endParaRPr lang="da-DK" dirty="0"/>
-          </a:p>
-          <a:p>
-            <a:r>
-              <a:rPr lang="da-DK" dirty="0"/>
-              <a:t>Bue</a:t>
-            </a:r>
-          </a:p>
-          <a:p>
-            <a:r>
-              <a:rPr lang="da-DK" dirty="0"/>
-              <a:t>Emil</a:t>
-            </a:r>
-          </a:p>
-          <a:p>
-            <a:r>
-              <a:rPr lang="da-DK" dirty="0"/>
-              <a:t>Karl</a:t>
-            </a:r>
-          </a:p>
-        </p:txBody>
-      </p:sp>
-    </p:spTree>
-    <p:extLst>
-      <p:ext uri="{BB962C8B-B14F-4D97-AF65-F5344CB8AC3E}">
-        <p14:creationId xmlns:p14="http://schemas.microsoft.com/office/powerpoint/2010/main" val="3933241537"/>
-      </p:ext>
-    </p:extLst>
-  </p:cSld>
-  <p:clrMapOvr>
-    <a:masterClrMapping/>
-  </p:clrMapOvr>
-</p:sld>
-</file>
-
 <file path=ppt/slides/slide7.xml><?xml version="1.0" encoding="utf-8"?>
 <p:sld xmlns:a="http://schemas.openxmlformats.org/drawingml/2006/main" xmlns:r="http://schemas.openxmlformats.org/officeDocument/2006/relationships" xmlns:p="http://schemas.openxmlformats.org/presentationml/2006/main">
   <p:cSld>
@@ -5651,155 +4374,100 @@
       </p:grpSpPr>
       <p:sp>
         <p:nvSpPr>
-          <p:cNvPr id="8" name="Rectangle 7"/>
-          <p:cNvSpPr/>
-          <p:nvPr/>
-        </p:nvSpPr>
-        <p:spPr>
-          <a:xfrm>
-            <a:off x="0" y="0"/>
-            <a:ext cx="9944004" cy="7451725"/>
-          </a:xfrm>
-          <a:prstGeom prst="rect">
-            <a:avLst/>
-          </a:prstGeom>
-          <a:solidFill>
-            <a:srgbClr val="00163B"/>
-          </a:solidFill>
-        </p:spPr>
-        <p:style>
-          <a:lnRef idx="1">
-            <a:schemeClr val="accent1"/>
-          </a:lnRef>
-          <a:fillRef idx="3">
-            <a:schemeClr val="accent1"/>
-          </a:fillRef>
-          <a:effectRef idx="2">
-            <a:schemeClr val="accent1"/>
-          </a:effectRef>
-          <a:fontRef idx="minor">
-            <a:schemeClr val="lt1"/>
-          </a:fontRef>
-        </p:style>
-        <p:txBody>
-          <a:bodyPr rtlCol="0" anchor="ctr"/>
-          <a:lstStyle/>
-          <a:p>
-            <a:pPr algn="ctr"/>
-            <a:endParaRPr lang="en-US"/>
-          </a:p>
-        </p:txBody>
-      </p:sp>
-      <p:sp>
-        <p:nvSpPr>
-          <p:cNvPr id="4" name="Title Placeholder 1"/>
-          <p:cNvSpPr txBox="1">
-            <a:spLocks/>
-          </p:cNvSpPr>
-          <p:nvPr/>
-        </p:nvSpPr>
-        <p:spPr>
-          <a:xfrm>
-            <a:off x="1118093" y="4553473"/>
-            <a:ext cx="7294727" cy="1241954"/>
-          </a:xfrm>
-          <a:prstGeom prst="rect">
-            <a:avLst/>
-          </a:prstGeom>
-        </p:spPr>
-        <p:txBody>
-          <a:bodyPr vert="horz" lIns="99377" tIns="49688" rIns="99377" bIns="49688" rtlCol="0" anchor="ctr">
-            <a:noAutofit/>
-          </a:bodyPr>
-          <a:lstStyle>
-            <a:lvl1pPr algn="l" defTabSz="496885" rtl="0" eaLnBrk="1" latinLnBrk="0" hangingPunct="1">
-              <a:spcBef>
-                <a:spcPct val="0"/>
-              </a:spcBef>
-              <a:buNone/>
-              <a:defRPr sz="3600" kern="1200">
-                <a:solidFill>
-                  <a:srgbClr val="FBB040"/>
-                </a:solidFill>
-                <a:latin typeface="Verdana"/>
-                <a:ea typeface="+mj-ea"/>
-                <a:cs typeface="Verdana"/>
-              </a:defRPr>
-            </a:lvl1pPr>
-          </a:lstStyle>
-          <a:p>
-            <a:r>
-              <a:rPr lang="da-DK" dirty="0"/>
-              <a:t>Netværk og HTTP</a:t>
-            </a:r>
-            <a:endParaRPr lang="en-US" dirty="0"/>
-          </a:p>
-        </p:txBody>
-      </p:sp>
-      <p:pic>
-        <p:nvPicPr>
-          <p:cNvPr id="6" name="Picture 5" descr="CPHbusinessNEG_RGB.png"/>
-          <p:cNvPicPr>
-            <a:picLocks noChangeAspect="1"/>
-          </p:cNvPicPr>
-          <p:nvPr/>
-        </p:nvPicPr>
-        <p:blipFill>
-          <a:blip r:embed="rId2">
+          <p:cNvPr id="2" name="Text Placeholder 1">
             <a:extLst>
-              <a:ext uri="{28A0092B-C50C-407E-A947-70E740481C1C}">
-                <a14:useLocalDpi xmlns:a14="http://schemas.microsoft.com/office/drawing/2010/main" val="0"/>
+              <a:ext uri="{FF2B5EF4-FFF2-40B4-BE49-F238E27FC236}">
+                <a16:creationId xmlns:a16="http://schemas.microsoft.com/office/drawing/2014/main" id="{98755EE8-993D-7A40-8DBD-7919C3437D2C}"/>
               </a:ext>
             </a:extLst>
-          </a:blip>
-          <a:stretch>
-            <a:fillRect/>
-          </a:stretch>
-        </p:blipFill>
-        <p:spPr>
-          <a:xfrm>
-            <a:off x="7604008" y="10855"/>
-            <a:ext cx="2339996" cy="927977"/>
-          </a:xfrm>
-          <a:prstGeom prst="rect">
-            <a:avLst/>
-          </a:prstGeom>
-        </p:spPr>
-      </p:pic>
-      <p:pic>
-        <p:nvPicPr>
-          <p:cNvPr id="7" name="Picture 6" descr="3fotos.png"/>
-          <p:cNvPicPr>
-            <a:picLocks noChangeAspect="1"/>
-          </p:cNvPicPr>
-          <p:nvPr/>
-        </p:nvPicPr>
-        <p:blipFill>
-          <a:blip r:embed="rId3">
+          </p:cNvPr>
+          <p:cNvSpPr>
+            <a:spLocks noGrp="1"/>
+          </p:cNvSpPr>
+          <p:nvPr>
+            <p:ph type="body" sz="quarter" idx="10"/>
+          </p:nvPr>
+        </p:nvSpPr>
+        <p:spPr/>
+        <p:txBody>
+          <a:bodyPr/>
+          <a:lstStyle/>
+          <a:p>
+            <a:r>
+              <a:rPr lang="da-DK" dirty="0" err="1"/>
+              <a:t>HTTPRequest</a:t>
+            </a:r>
+            <a:r>
+              <a:rPr lang="da-DK" dirty="0"/>
+              <a:t> klassen</a:t>
+            </a:r>
+          </a:p>
+        </p:txBody>
+      </p:sp>
+      <p:sp>
+        <p:nvSpPr>
+          <p:cNvPr id="3" name="Text Placeholder 2">
             <a:extLst>
-              <a:ext uri="{28A0092B-C50C-407E-A947-70E740481C1C}">
-                <a14:useLocalDpi xmlns:a14="http://schemas.microsoft.com/office/drawing/2010/main" val="0"/>
+              <a:ext uri="{FF2B5EF4-FFF2-40B4-BE49-F238E27FC236}">
+                <a16:creationId xmlns:a16="http://schemas.microsoft.com/office/drawing/2014/main" id="{F8016406-4F8B-7D4F-B84C-2001A45A0FE8}"/>
               </a:ext>
             </a:extLst>
-          </a:blip>
-          <a:stretch>
-            <a:fillRect/>
-          </a:stretch>
-        </p:blipFill>
-        <p:spPr>
-          <a:xfrm>
-            <a:off x="1215788" y="1304241"/>
-            <a:ext cx="7500977" cy="3443013"/>
-          </a:xfrm>
-          <a:prstGeom prst="rect">
-            <a:avLst/>
-          </a:prstGeom>
-        </p:spPr>
-      </p:pic>
+          </p:cNvPr>
+          <p:cNvSpPr>
+            <a:spLocks noGrp="1"/>
+          </p:cNvSpPr>
+          <p:nvPr>
+            <p:ph type="body" sz="quarter" idx="11"/>
+          </p:nvPr>
+        </p:nvSpPr>
+        <p:spPr/>
+        <p:txBody>
+          <a:bodyPr/>
+          <a:lstStyle/>
+          <a:p>
+            <a:pPr marL="0" indent="0">
+              <a:buNone/>
+            </a:pPr>
+            <a:r>
+              <a:rPr lang="da-DK" dirty="0"/>
+              <a:t>I det udleverede projekt er der en </a:t>
+            </a:r>
+            <a:r>
+              <a:rPr lang="da-DK" dirty="0" err="1"/>
+              <a:t>HTTPRequest</a:t>
+            </a:r>
+            <a:r>
+              <a:rPr lang="da-DK" dirty="0"/>
+              <a:t> klasse. </a:t>
+            </a:r>
+          </a:p>
+          <a:p>
+            <a:pPr marL="0" indent="0">
+              <a:buNone/>
+            </a:pPr>
+            <a:r>
+              <a:rPr lang="da-DK" dirty="0"/>
+              <a:t>picoserver03 viser hvordan den kan bruges.</a:t>
+            </a:r>
+          </a:p>
+          <a:p>
+            <a:pPr marL="0" indent="0">
+              <a:buNone/>
+            </a:pPr>
+            <a:endParaRPr lang="da-DK" dirty="0"/>
+          </a:p>
+          <a:p>
+            <a:pPr marL="0" indent="0">
+              <a:buNone/>
+            </a:pPr>
+            <a:endParaRPr lang="da-DK" dirty="0"/>
+          </a:p>
+        </p:txBody>
+      </p:sp>
     </p:spTree>
     <p:extLst>
       <p:ext uri="{BB962C8B-B14F-4D97-AF65-F5344CB8AC3E}">
-        <p14:creationId xmlns:p14="http://schemas.microsoft.com/office/powerpoint/2010/main" val="3129292646"/>
+        <p14:creationId xmlns:p14="http://schemas.microsoft.com/office/powerpoint/2010/main" val="373879312"/>
       </p:ext>
     </p:extLst>
   </p:cSld>
@@ -5828,175 +4496,192 @@
       </p:grpSpPr>
       <p:sp>
         <p:nvSpPr>
-          <p:cNvPr id="2" name="Title 1"/>
+          <p:cNvPr id="2" name="Text Placeholder 1">
+            <a:extLst>
+              <a:ext uri="{FF2B5EF4-FFF2-40B4-BE49-F238E27FC236}">
+                <a16:creationId xmlns:a16="http://schemas.microsoft.com/office/drawing/2014/main" id="{0C0441F7-BD1E-B04E-AB89-60D17F20B05C}"/>
+              </a:ext>
+            </a:extLst>
+          </p:cNvPr>
           <p:cNvSpPr>
             <a:spLocks noGrp="1"/>
           </p:cNvSpPr>
           <p:nvPr>
-            <p:ph type="title"/>
+            <p:ph type="body" sz="quarter" idx="10"/>
           </p:nvPr>
         </p:nvSpPr>
-        <p:spPr>
-          <a:xfrm>
-            <a:off x="683330" y="396736"/>
-            <a:ext cx="8572679" cy="752333"/>
-          </a:xfrm>
-        </p:spPr>
+        <p:spPr/>
         <p:txBody>
           <a:bodyPr/>
           <a:lstStyle/>
           <a:p>
             <a:r>
-              <a:rPr lang="en-US" dirty="0" err="1"/>
-              <a:t>Fagligt</a:t>
-            </a:r>
-            <a:r>
-              <a:rPr lang="en-US" dirty="0"/>
-              <a:t> </a:t>
-            </a:r>
-            <a:r>
-              <a:rPr lang="en-US" dirty="0" err="1"/>
-              <a:t>i</a:t>
-            </a:r>
-            <a:r>
-              <a:rPr lang="en-US" dirty="0"/>
-              <a:t> </a:t>
-            </a:r>
-            <a:r>
-              <a:rPr lang="en-US" dirty="0" err="1"/>
-              <a:t>modul</a:t>
-            </a:r>
-            <a:r>
-              <a:rPr lang="en-US" dirty="0"/>
-              <a:t> 1</a:t>
-            </a:r>
-          </a:p>
-        </p:txBody>
-      </p:sp>
-      <p:sp>
-        <p:nvSpPr>
-          <p:cNvPr id="3" name="Content Placeholder 2"/>
+              <a:rPr lang="da-DK" dirty="0"/>
+              <a:t>OPGAVE</a:t>
+            </a:r>
+          </a:p>
+        </p:txBody>
+      </p:sp>
+      <p:sp>
+        <p:nvSpPr>
+          <p:cNvPr id="3" name="Text Placeholder 2">
+            <a:extLst>
+              <a:ext uri="{FF2B5EF4-FFF2-40B4-BE49-F238E27FC236}">
+                <a16:creationId xmlns:a16="http://schemas.microsoft.com/office/drawing/2014/main" id="{6FCF944D-03EB-EC41-B2DC-FE462FF9AB35}"/>
+              </a:ext>
+            </a:extLst>
+          </p:cNvPr>
           <p:cNvSpPr>
             <a:spLocks noGrp="1"/>
           </p:cNvSpPr>
           <p:nvPr>
-            <p:ph idx="1"/>
+            <p:ph type="body" sz="quarter" idx="11"/>
           </p:nvPr>
         </p:nvSpPr>
-        <p:spPr>
-          <a:xfrm>
-            <a:off x="683329" y="1263241"/>
-            <a:ext cx="8572679" cy="4728051"/>
-          </a:xfrm>
-        </p:spPr>
+        <p:spPr/>
         <p:txBody>
           <a:bodyPr/>
           <a:lstStyle/>
           <a:p>
-            <a:pPr>
-              <a:spcBef>
-                <a:spcPts val="0"/>
-              </a:spcBef>
-            </a:pPr>
-            <a:r>
-              <a:rPr lang="en-US" dirty="0" err="1"/>
-              <a:t>Første</a:t>
-            </a:r>
-            <a:r>
-              <a:rPr lang="en-US" dirty="0"/>
-              <a:t> </a:t>
-            </a:r>
-            <a:r>
-              <a:rPr lang="en-US" dirty="0" err="1"/>
-              <a:t>uge</a:t>
-            </a:r>
-            <a:endParaRPr lang="en-US" dirty="0"/>
-          </a:p>
-          <a:p>
-            <a:pPr lvl="1">
-              <a:spcBef>
-                <a:spcPts val="0"/>
-              </a:spcBef>
-            </a:pPr>
-            <a:r>
-              <a:rPr lang="en-US" dirty="0" err="1"/>
-              <a:t>Lav</a:t>
-            </a:r>
-            <a:r>
-              <a:rPr lang="en-US" dirty="0"/>
-              <a:t> din </a:t>
-            </a:r>
-            <a:r>
-              <a:rPr lang="en-US" dirty="0" err="1"/>
-              <a:t>egen</a:t>
-            </a:r>
-            <a:r>
-              <a:rPr lang="en-US" dirty="0"/>
-              <a:t> webserver</a:t>
-            </a:r>
-          </a:p>
-          <a:p>
-            <a:pPr lvl="1">
-              <a:spcBef>
-                <a:spcPts val="0"/>
-              </a:spcBef>
-            </a:pPr>
-            <a:endParaRPr lang="en-US" dirty="0"/>
-          </a:p>
-          <a:p>
-            <a:pPr>
-              <a:spcBef>
-                <a:spcPts val="0"/>
-              </a:spcBef>
-            </a:pPr>
-            <a:r>
-              <a:rPr lang="en-US" dirty="0" err="1"/>
-              <a:t>Anden</a:t>
-            </a:r>
-            <a:r>
-              <a:rPr lang="en-US" dirty="0"/>
-              <a:t> </a:t>
-            </a:r>
-            <a:r>
-              <a:rPr lang="en-US" dirty="0" err="1"/>
-              <a:t>uge</a:t>
-            </a:r>
-            <a:endParaRPr lang="en-US" dirty="0"/>
-          </a:p>
-          <a:p>
-            <a:pPr lvl="1">
-              <a:spcBef>
-                <a:spcPts val="0"/>
-              </a:spcBef>
-            </a:pPr>
-            <a:r>
-              <a:rPr lang="en-US" dirty="0" err="1"/>
-              <a:t>Optimer</a:t>
-            </a:r>
-            <a:r>
-              <a:rPr lang="en-US" dirty="0"/>
-              <a:t> den med </a:t>
-            </a:r>
-            <a:r>
-              <a:rPr lang="en-US" dirty="0" err="1"/>
-              <a:t>flere</a:t>
-            </a:r>
-            <a:r>
-              <a:rPr lang="en-US" dirty="0"/>
-              <a:t> </a:t>
-            </a:r>
-            <a:r>
-              <a:rPr lang="en-US" dirty="0" err="1"/>
-              <a:t>tråde</a:t>
-            </a:r>
-            <a:endParaRPr lang="en-US" dirty="0"/>
+            <a:pPr marL="0" indent="0">
+              <a:buNone/>
+            </a:pPr>
+            <a:r>
+              <a:rPr lang="da-DK" dirty="0"/>
+              <a:t>Kør picoserver03 og kald serveren sådan at:</a:t>
+            </a:r>
+          </a:p>
+          <a:p>
+            <a:pPr marL="514350" indent="-514350">
+              <a:buFont typeface="+mj-lt"/>
+              <a:buAutoNum type="arabicPeriod"/>
+            </a:pPr>
+            <a:r>
+              <a:rPr lang="da-DK" dirty="0"/>
+              <a:t>Stien bliver ”/shop/</a:t>
+            </a:r>
+            <a:r>
+              <a:rPr lang="da-DK" dirty="0" err="1"/>
+              <a:t>lamborgini.html</a:t>
+            </a:r>
+            <a:r>
+              <a:rPr lang="da-DK" dirty="0"/>
+              <a:t>”</a:t>
+            </a:r>
+          </a:p>
+          <a:p>
+            <a:pPr marL="514350" indent="-514350">
+              <a:buFont typeface="+mj-lt"/>
+              <a:buAutoNum type="arabicPeriod"/>
+            </a:pPr>
+            <a:r>
+              <a:rPr lang="da-DK" dirty="0"/>
+              <a:t>Stien bliver ”</a:t>
+            </a:r>
+            <a:r>
+              <a:rPr lang="da-DK" dirty="0" err="1"/>
+              <a:t>index.html</a:t>
+            </a:r>
+            <a:r>
+              <a:rPr lang="da-DK" dirty="0"/>
+              <a:t>” (hvorfor kan denne ikke lade sig gøre?)</a:t>
+            </a:r>
+          </a:p>
+          <a:p>
+            <a:pPr marL="514350" indent="-514350">
+              <a:buFont typeface="+mj-lt"/>
+              <a:buAutoNum type="arabicPeriod"/>
+            </a:pPr>
+            <a:r>
+              <a:rPr lang="da-DK" dirty="0"/>
+              <a:t>Der kommer parameter:</a:t>
+            </a:r>
+          </a:p>
+          <a:p>
+            <a:pPr marL="949124" lvl="1" indent="-514350">
+              <a:buFont typeface="+mj-lt"/>
+              <a:buAutoNum type="arabicPeriod"/>
+            </a:pPr>
+            <a:r>
+              <a:rPr lang="da-DK" dirty="0"/>
+              <a:t>Hedder ”</a:t>
+            </a:r>
+            <a:r>
+              <a:rPr lang="da-DK" dirty="0" err="1"/>
+              <a:t>price</a:t>
+            </a:r>
+            <a:r>
+              <a:rPr lang="da-DK" dirty="0"/>
+              <a:t>” og har værdi ”</a:t>
+            </a:r>
+            <a:r>
+              <a:rPr lang="da-DK" dirty="0" err="1"/>
+              <a:t>waytomuch</a:t>
+            </a:r>
+            <a:r>
+              <a:rPr lang="da-DK" dirty="0"/>
+              <a:t>”</a:t>
+            </a:r>
+          </a:p>
+          <a:p>
+            <a:pPr marL="949124" lvl="1" indent="-514350">
+              <a:buFont typeface="+mj-lt"/>
+              <a:buAutoNum type="arabicPeriod"/>
+            </a:pPr>
+            <a:r>
+              <a:rPr lang="da-DK" dirty="0"/>
+              <a:t>To parametre: ”</a:t>
+            </a:r>
+            <a:r>
+              <a:rPr lang="da-DK" dirty="0" err="1"/>
+              <a:t>name</a:t>
+            </a:r>
+            <a:r>
+              <a:rPr lang="da-DK" dirty="0"/>
+              <a:t>” med værdi ”Larsen”, og ”country” med værdi ”Jylland”.</a:t>
+            </a:r>
+          </a:p>
+          <a:p>
+            <a:pPr marL="949124" lvl="1" indent="-514350">
+              <a:buFont typeface="+mj-lt"/>
+              <a:buAutoNum type="arabicPeriod"/>
+            </a:pPr>
+            <a:r>
+              <a:rPr lang="da-DK" dirty="0"/>
+              <a:t>En parameter der hedder ”city” med værdi: ”Solrød”</a:t>
+            </a:r>
+          </a:p>
+          <a:p>
+            <a:pPr marL="514350" indent="-514350">
+              <a:buFont typeface="+mj-lt"/>
+              <a:buAutoNum type="arabicPeriod"/>
+            </a:pPr>
+            <a:r>
+              <a:rPr lang="da-DK" dirty="0"/>
+              <a:t>Kan du ændre så der kommer noget andet i </a:t>
+            </a:r>
+            <a:r>
+              <a:rPr lang="da-DK" dirty="0" err="1"/>
+              <a:t>headeren</a:t>
+            </a:r>
+            <a:r>
+              <a:rPr lang="da-DK" dirty="0"/>
+              <a:t> ”User-Agent”?</a:t>
+            </a:r>
+          </a:p>
+          <a:p>
+            <a:pPr marL="514350" indent="-514350">
+              <a:buFont typeface="+mj-lt"/>
+              <a:buAutoNum type="arabicPeriod"/>
+            </a:pPr>
+            <a:endParaRPr lang="da-DK" dirty="0"/>
           </a:p>
         </p:txBody>
       </p:sp>
     </p:spTree>
     <p:extLst>
       <p:ext uri="{BB962C8B-B14F-4D97-AF65-F5344CB8AC3E}">
-        <p14:creationId xmlns:p14="http://schemas.microsoft.com/office/powerpoint/2010/main" val="1808800654"/>
+        <p14:creationId xmlns:p14="http://schemas.microsoft.com/office/powerpoint/2010/main" val="820680342"/>
       </p:ext>
     </p:extLst>
   </p:cSld>
@@ -6025,253 +4710,111 @@
       </p:grpSpPr>
       <p:sp>
         <p:nvSpPr>
-          <p:cNvPr id="2" name="Title 1"/>
+          <p:cNvPr id="2" name="Text Placeholder 1">
+            <a:extLst>
+              <a:ext uri="{FF2B5EF4-FFF2-40B4-BE49-F238E27FC236}">
+                <a16:creationId xmlns:a16="http://schemas.microsoft.com/office/drawing/2014/main" id="{C4E0190B-EA90-1F47-A063-170A38F09816}"/>
+              </a:ext>
+            </a:extLst>
+          </p:cNvPr>
           <p:cNvSpPr>
             <a:spLocks noGrp="1"/>
           </p:cNvSpPr>
           <p:nvPr>
-            <p:ph type="title"/>
+            <p:ph type="body" sz="quarter" idx="10"/>
           </p:nvPr>
         </p:nvSpPr>
-        <p:spPr>
-          <a:xfrm>
-            <a:off x="683330" y="396736"/>
-            <a:ext cx="8572679" cy="752333"/>
-          </a:xfrm>
-        </p:spPr>
+        <p:spPr/>
         <p:txBody>
           <a:bodyPr/>
           <a:lstStyle/>
           <a:p>
             <a:r>
-              <a:rPr lang="en-US" dirty="0" err="1"/>
-              <a:t>Internettets</a:t>
-            </a:r>
-            <a:r>
-              <a:rPr lang="en-US" dirty="0"/>
-              <a:t> </a:t>
-            </a:r>
-            <a:r>
-              <a:rPr lang="en-US" dirty="0" err="1"/>
-              <a:t>opbygning</a:t>
-            </a:r>
-            <a:endParaRPr lang="en-US" dirty="0"/>
-          </a:p>
-        </p:txBody>
-      </p:sp>
-      <p:sp>
-        <p:nvSpPr>
-          <p:cNvPr id="3" name="Content Placeholder 2"/>
+              <a:rPr lang="da-DK" dirty="0"/>
+              <a:t>Statiske hjemmesider</a:t>
+            </a:r>
+          </a:p>
+        </p:txBody>
+      </p:sp>
+      <p:sp>
+        <p:nvSpPr>
+          <p:cNvPr id="3" name="Text Placeholder 2">
+            <a:extLst>
+              <a:ext uri="{FF2B5EF4-FFF2-40B4-BE49-F238E27FC236}">
+                <a16:creationId xmlns:a16="http://schemas.microsoft.com/office/drawing/2014/main" id="{6C0107C5-74BA-9747-946C-CF5517020516}"/>
+              </a:ext>
+            </a:extLst>
+          </p:cNvPr>
           <p:cNvSpPr>
             <a:spLocks noGrp="1"/>
           </p:cNvSpPr>
           <p:nvPr>
-            <p:ph idx="1"/>
+            <p:ph type="body" sz="quarter" idx="11"/>
           </p:nvPr>
         </p:nvSpPr>
-        <p:spPr>
-          <a:xfrm>
-            <a:off x="683329" y="1263241"/>
-            <a:ext cx="8572679" cy="4728051"/>
-          </a:xfrm>
-        </p:spPr>
+        <p:spPr/>
         <p:txBody>
           <a:bodyPr/>
           <a:lstStyle/>
           <a:p>
             <a:pPr marL="0" indent="0">
-              <a:spcBef>
-                <a:spcPts val="0"/>
-              </a:spcBef>
               <a:buNone/>
             </a:pPr>
             <a:r>
-              <a:rPr lang="en-US" dirty="0" err="1"/>
-              <a:t>Hvis</a:t>
-            </a:r>
-            <a:r>
-              <a:rPr lang="en-US" dirty="0"/>
-              <a:t> du I din browser </a:t>
-            </a:r>
-            <a:r>
-              <a:rPr lang="en-US" dirty="0" err="1"/>
-              <a:t>skriver</a:t>
-            </a:r>
-            <a:r>
-              <a:rPr lang="en-US" dirty="0"/>
-              <a:t>:</a:t>
+              <a:rPr lang="da-DK" dirty="0"/>
+              <a:t>Stien i et </a:t>
+            </a:r>
+            <a:r>
+              <a:rPr lang="da-DK" dirty="0" err="1"/>
+              <a:t>request</a:t>
+            </a:r>
+            <a:r>
+              <a:rPr lang="da-DK" dirty="0"/>
+              <a:t> har formen som en almindelig fil sti.</a:t>
             </a:r>
           </a:p>
           <a:p>
             <a:pPr marL="0" indent="0">
-              <a:spcBef>
-                <a:spcPts val="0"/>
-              </a:spcBef>
               <a:buNone/>
             </a:pPr>
-            <a:endParaRPr lang="en-US" dirty="0"/>
+            <a:r>
+              <a:rPr lang="da-DK" dirty="0"/>
+              <a:t>En central opgave for webservere er at kunne returnere statiske hjemmesider.</a:t>
+            </a:r>
           </a:p>
           <a:p>
             <a:pPr marL="0" indent="0">
-              <a:spcBef>
-                <a:spcPts val="0"/>
-              </a:spcBef>
               <a:buNone/>
             </a:pPr>
-            <a:r>
-              <a:rPr lang="en-US" dirty="0">
-                <a:hlinkClick r:id="rId2"/>
-              </a:rPr>
-              <a:t>https://xkcd.com/1348/</a:t>
-            </a:r>
-            <a:endParaRPr lang="en-US" dirty="0"/>
+            <a:endParaRPr lang="da-DK" dirty="0"/>
           </a:p>
           <a:p>
             <a:pPr marL="0" indent="0">
-              <a:spcBef>
-                <a:spcPts val="0"/>
-              </a:spcBef>
               <a:buNone/>
             </a:pPr>
-            <a:endParaRPr lang="en-US" dirty="0"/>
+            <a:r>
+              <a:rPr lang="da-DK" dirty="0"/>
+              <a:t>(( Gennemgå picoserver04 ))</a:t>
+            </a:r>
           </a:p>
           <a:p>
             <a:pPr marL="0" indent="0">
-              <a:spcBef>
-                <a:spcPts val="0"/>
-              </a:spcBef>
               <a:buNone/>
             </a:pPr>
-            <a:r>
-              <a:rPr lang="en-US" dirty="0" err="1"/>
-              <a:t>Hvad</a:t>
-            </a:r>
-            <a:r>
-              <a:rPr lang="en-US" dirty="0"/>
-              <a:t> </a:t>
-            </a:r>
-            <a:r>
-              <a:rPr lang="en-US" dirty="0" err="1"/>
-              <a:t>betyder</a:t>
-            </a:r>
-            <a:r>
-              <a:rPr lang="en-US" dirty="0"/>
-              <a:t> </a:t>
-            </a:r>
-            <a:r>
-              <a:rPr lang="en-US" dirty="0" err="1"/>
-              <a:t>det</a:t>
-            </a:r>
-            <a:r>
-              <a:rPr lang="en-US" dirty="0"/>
-              <a:t> </a:t>
-            </a:r>
-            <a:r>
-              <a:rPr lang="en-US" dirty="0" err="1"/>
-              <a:t>egentligt</a:t>
-            </a:r>
-            <a:r>
-              <a:rPr lang="en-US" dirty="0"/>
-              <a:t>?</a:t>
-            </a:r>
+            <a:endParaRPr lang="da-DK" dirty="0"/>
           </a:p>
           <a:p>
             <a:pPr marL="0" indent="0">
-              <a:spcBef>
-                <a:spcPts val="0"/>
-              </a:spcBef>
               <a:buNone/>
             </a:pPr>
-            <a:endParaRPr lang="en-US" dirty="0"/>
-          </a:p>
-          <a:p>
-            <a:pPr marL="0" indent="0">
-              <a:spcBef>
-                <a:spcPts val="0"/>
-              </a:spcBef>
-              <a:buNone/>
-            </a:pPr>
-            <a:r>
-              <a:rPr lang="en-US" dirty="0"/>
-              <a:t>((</a:t>
-            </a:r>
-            <a:r>
-              <a:rPr lang="en-US" dirty="0" err="1"/>
-              <a:t>Lav</a:t>
-            </a:r>
-            <a:r>
-              <a:rPr lang="en-US" dirty="0"/>
-              <a:t> </a:t>
-            </a:r>
-            <a:r>
-              <a:rPr lang="en-US" dirty="0" err="1"/>
-              <a:t>en</a:t>
-            </a:r>
-            <a:r>
-              <a:rPr lang="en-US" dirty="0"/>
-              <a:t> </a:t>
-            </a:r>
-            <a:r>
-              <a:rPr lang="en-US" dirty="0" err="1"/>
-              <a:t>tegning</a:t>
-            </a:r>
-            <a:r>
-              <a:rPr lang="en-US" dirty="0"/>
-              <a:t> </a:t>
-            </a:r>
-            <a:r>
-              <a:rPr lang="en-US" dirty="0" err="1"/>
-              <a:t>på</a:t>
-            </a:r>
-            <a:r>
-              <a:rPr lang="en-US" dirty="0"/>
-              <a:t> </a:t>
-            </a:r>
-            <a:r>
-              <a:rPr lang="en-US" dirty="0" err="1"/>
-              <a:t>tavle</a:t>
-            </a:r>
-            <a:r>
-              <a:rPr lang="en-US" dirty="0"/>
-              <a:t>))</a:t>
-            </a:r>
-          </a:p>
-          <a:p>
-            <a:pPr marL="0" indent="0">
-              <a:spcBef>
-                <a:spcPts val="0"/>
-              </a:spcBef>
-              <a:buNone/>
-            </a:pPr>
-            <a:endParaRPr lang="en-US" dirty="0"/>
-          </a:p>
-          <a:p>
-            <a:pPr marL="0" indent="0">
-              <a:spcBef>
-                <a:spcPts val="0"/>
-              </a:spcBef>
-              <a:buNone/>
-            </a:pPr>
-            <a:endParaRPr lang="en-US" dirty="0"/>
-          </a:p>
-          <a:p>
-            <a:pPr marL="0" indent="0">
-              <a:spcBef>
-                <a:spcPts val="0"/>
-              </a:spcBef>
-              <a:buNone/>
-            </a:pPr>
-            <a:r>
-              <a:rPr lang="en-US" dirty="0"/>
-              <a:t>Wikipedia</a:t>
-            </a:r>
+            <a:endParaRPr lang="da-DK" dirty="0"/>
           </a:p>
         </p:txBody>
       </p:sp>
     </p:spTree>
     <p:extLst>
       <p:ext uri="{BB962C8B-B14F-4D97-AF65-F5344CB8AC3E}">
-        <p14:creationId xmlns:p14="http://schemas.microsoft.com/office/powerpoint/2010/main" val="1713548999"/>
+        <p14:creationId xmlns:p14="http://schemas.microsoft.com/office/powerpoint/2010/main" val="3800704658"/>
       </p:ext>
     </p:extLst>
   </p:cSld>
@@ -6863,27 +5406,6 @@
 </file>
 
 <file path=customXml/item1.xml><?xml version="1.0" encoding="utf-8"?>
-<p:properties xmlns:p="http://schemas.microsoft.com/office/2006/metadata/properties" xmlns:xsi="http://www.w3.org/2001/XMLSchema-instance" xmlns:pc="http://schemas.microsoft.com/office/infopath/2007/PartnerControls">
-  <documentManagement>
-    <Indhold xmlns="d40e101a-1fec-4fbd-a9d0-ed41492f4cd8" xsi:nil="true"/>
-    <Initials xmlns="d40e101a-1fec-4fbd-a9d0-ed41492f4cd8" xsi:nil="true"/>
-    <Semester xmlns="d40e101a-1fec-4fbd-a9d0-ed41492f4cd8" xsi:nil="true"/>
-    <_ip_UnifiedCompliancePolicyUIAction xmlns="http://schemas.microsoft.com/sharepoint/v3" xsi:nil="true"/>
-    <_ip_UnifiedCompliancePolicyProperties xmlns="http://schemas.microsoft.com/sharepoint/v3" xsi:nil="true"/>
-  </documentManagement>
-</p:properties>
-</file>
-
-<file path=customXml/item2.xml><?xml version="1.0" encoding="utf-8"?>
-<?mso-contentType ?>
-<FormTemplates xmlns="http://schemas.microsoft.com/sharepoint/v3/contenttype/forms">
-  <Display>DocumentLibraryForm</Display>
-  <Edit>DocumentLibraryForm</Edit>
-  <New>DocumentLibraryForm</New>
-</FormTemplates>
-</file>
-
-<file path=customXml/item3.xml><?xml version="1.0" encoding="utf-8"?>
 <ct:contentTypeSchema xmlns:ct="http://schemas.microsoft.com/office/2006/metadata/contentType" xmlns:ma="http://schemas.microsoft.com/office/2006/metadata/properties/metaAttributes" ct:_="" ma:_="" ma:contentTypeName="Document" ma:contentTypeID="0x01010050E7AEDA699A6046B28BDB03A4B3ACE5" ma:contentTypeVersion="19" ma:contentTypeDescription="Create a new document." ma:contentTypeScope="" ma:versionID="0bfae579b5daebdb6e8fca23f36a0449">
   <xsd:schema xmlns:xsd="http://www.w3.org/2001/XMLSchema" xmlns:xs="http://www.w3.org/2001/XMLSchema" xmlns:p="http://schemas.microsoft.com/office/2006/metadata/properties" xmlns:ns1="http://schemas.microsoft.com/sharepoint/v3" xmlns:ns2="7d4bd1a6-963b-4ce5-9d6a-82f9bec88dc5" xmlns:ns3="d40e101a-1fec-4fbd-a9d0-ed41492f4cd8" targetNamespace="http://schemas.microsoft.com/office/2006/metadata/properties" ma:root="true" ma:fieldsID="3385377e91034a35d99aea4934408bc8" ns1:_="" ns2:_="" ns3:_="">
     <xsd:import namespace="http://schemas.microsoft.com/sharepoint/v3"/>
@@ -7115,26 +5637,28 @@
 </ct:contentTypeSchema>
 </file>
 
-<file path=customXml/itemProps1.xml><?xml version="1.0" encoding="utf-8"?>
-<ds:datastoreItem xmlns:ds="http://schemas.openxmlformats.org/officeDocument/2006/customXml" ds:itemID="{B4430E0B-F526-4823-AF02-5DFC70ECBBE8}">
-  <ds:schemaRefs>
-    <ds:schemaRef ds:uri="http://schemas.microsoft.com/office/2006/metadata/properties"/>
-    <ds:schemaRef ds:uri="http://schemas.microsoft.com/office/infopath/2007/PartnerControls"/>
-    <ds:schemaRef ds:uri="d40e101a-1fec-4fbd-a9d0-ed41492f4cd8"/>
-    <ds:schemaRef ds:uri="http://schemas.microsoft.com/sharepoint/v3"/>
-  </ds:schemaRefs>
-</ds:datastoreItem>
+<file path=customXml/item2.xml><?xml version="1.0" encoding="utf-8"?>
+<?mso-contentType ?>
+<FormTemplates xmlns="http://schemas.microsoft.com/sharepoint/v3/contenttype/forms">
+  <Display>DocumentLibraryForm</Display>
+  <Edit>DocumentLibraryForm</Edit>
+  <New>DocumentLibraryForm</New>
+</FormTemplates>
 </file>
 
-<file path=customXml/itemProps2.xml><?xml version="1.0" encoding="utf-8"?>
-<ds:datastoreItem xmlns:ds="http://schemas.openxmlformats.org/officeDocument/2006/customXml" ds:itemID="{067D096F-B383-4491-8317-BCA23AAF91D4}">
-  <ds:schemaRefs>
-    <ds:schemaRef ds:uri="http://schemas.microsoft.com/sharepoint/v3/contenttype/forms"/>
-  </ds:schemaRefs>
-</ds:datastoreItem>
+<file path=customXml/item3.xml><?xml version="1.0" encoding="utf-8"?>
+<p:properties xmlns:p="http://schemas.microsoft.com/office/2006/metadata/properties" xmlns:xsi="http://www.w3.org/2001/XMLSchema-instance" xmlns:pc="http://schemas.microsoft.com/office/infopath/2007/PartnerControls">
+  <documentManagement>
+    <Indhold xmlns="d40e101a-1fec-4fbd-a9d0-ed41492f4cd8" xsi:nil="true"/>
+    <Initials xmlns="d40e101a-1fec-4fbd-a9d0-ed41492f4cd8" xsi:nil="true"/>
+    <Semester xmlns="d40e101a-1fec-4fbd-a9d0-ed41492f4cd8" xsi:nil="true"/>
+    <_ip_UnifiedCompliancePolicyUIAction xmlns="http://schemas.microsoft.com/sharepoint/v3" xsi:nil="true"/>
+    <_ip_UnifiedCompliancePolicyProperties xmlns="http://schemas.microsoft.com/sharepoint/v3" xsi:nil="true"/>
+  </documentManagement>
+</p:properties>
 </file>
 
-<file path=customXml/itemProps3.xml><?xml version="1.0" encoding="utf-8"?>
+<file path=customXml/itemProps1.xml><?xml version="1.0" encoding="utf-8"?>
 <ds:datastoreItem xmlns:ds="http://schemas.openxmlformats.org/officeDocument/2006/customXml" ds:itemID="{CA1CC672-697C-4419-AA45-215A932259A8}">
   <ds:schemaRefs>
     <ds:schemaRef ds:uri="http://schemas.microsoft.com/office/2006/metadata/contentType"/>
@@ -7152,4 +5676,23 @@
     <ds:schemaRef ds:uri="http://schemas.microsoft.com/internal/obd"/>
   </ds:schemaRefs>
 </ds:datastoreItem>
+</file>
+
+<file path=customXml/itemProps2.xml><?xml version="1.0" encoding="utf-8"?>
+<ds:datastoreItem xmlns:ds="http://schemas.openxmlformats.org/officeDocument/2006/customXml" ds:itemID="{067D096F-B383-4491-8317-BCA23AAF91D4}">
+  <ds:schemaRefs>
+    <ds:schemaRef ds:uri="http://schemas.microsoft.com/sharepoint/v3/contenttype/forms"/>
+  </ds:schemaRefs>
+</ds:datastoreItem>
+</file>
+
+<file path=customXml/itemProps3.xml><?xml version="1.0" encoding="utf-8"?>
+<ds:datastoreItem xmlns:ds="http://schemas.openxmlformats.org/officeDocument/2006/customXml" ds:itemID="{B4430E0B-F526-4823-AF02-5DFC70ECBBE8}">
+  <ds:schemaRefs>
+    <ds:schemaRef ds:uri="http://schemas.microsoft.com/office/2006/metadata/properties"/>
+    <ds:schemaRef ds:uri="http://schemas.microsoft.com/office/infopath/2007/PartnerControls"/>
+    <ds:schemaRef ds:uri="d40e101a-1fec-4fbd-a9d0-ed41492f4cd8"/>
+    <ds:schemaRef ds:uri="http://schemas.microsoft.com/sharepoint/v3"/>
+  </ds:schemaRefs>
+</ds:datastoreItem>
 </file>